--- a/Bash-scripting-crime-statistic.pptx
+++ b/Bash-scripting-crime-statistic.pptx
@@ -8,6 +8,8 @@
     <p:sldId id="256" r:id="rId2"/>
     <p:sldId id="257" r:id="rId3"/>
     <p:sldId id="258" r:id="rId4"/>
+    <p:sldId id="260" r:id="rId5"/>
+    <p:sldId id="259" r:id="rId6"/>
   </p:sldIdLst>
   <p:sldSz cx="12192000" cy="6858000"/>
   <p:notesSz cx="6858000" cy="9144000"/>
@@ -106,6 +108,11 @@
       </a:defRPr>
     </a:lvl9pPr>
   </p:defaultTextStyle>
+  <p:extLst>
+    <p:ext uri="{EFAFB233-063F-42B5-8137-9DF3F51BA10A}">
+      <p15:sldGuideLst xmlns:p15="http://schemas.microsoft.com/office/powerpoint/2012/main"/>
+    </p:ext>
+  </p:extLst>
 </p:presentation>
 </file>
 
@@ -300,7 +307,7 @@
             <a:fld id="{96DFF08F-DC6B-4601-B491-B0F83F6DD2DA}" type="datetimeFigureOut">
               <a:rPr lang="en-US" dirty="0"/>
               <a:pPr/>
-              <a:t>1/16/2020</a:t>
+              <a:t>1/22/2020</a:t>
             </a:fld>
             <a:endParaRPr lang="en-US" dirty="0"/>
           </a:p>
@@ -500,7 +507,7 @@
           <a:p>
             <a:fld id="{96DFF08F-DC6B-4601-B491-B0F83F6DD2DA}" type="datetimeFigureOut">
               <a:rPr lang="en-US" dirty="0"/>
-              <a:t>1/16/2020</a:t>
+              <a:t>1/22/2020</a:t>
             </a:fld>
             <a:endParaRPr lang="en-US" dirty="0"/>
           </a:p>
@@ -675,7 +682,7 @@
           <a:p>
             <a:fld id="{96DFF08F-DC6B-4601-B491-B0F83F6DD2DA}" type="datetimeFigureOut">
               <a:rPr lang="en-US" dirty="0"/>
-              <a:t>1/16/2020</a:t>
+              <a:t>1/22/2020</a:t>
             </a:fld>
             <a:endParaRPr lang="en-US" dirty="0"/>
           </a:p>
@@ -875,7 +882,7 @@
           <a:p>
             <a:fld id="{96DFF08F-DC6B-4601-B491-B0F83F6DD2DA}" type="datetimeFigureOut">
               <a:rPr lang="en-US" dirty="0"/>
-              <a:t>1/16/2020</a:t>
+              <a:t>1/22/2020</a:t>
             </a:fld>
             <a:endParaRPr lang="en-US" dirty="0"/>
           </a:p>
@@ -1165,7 +1172,7 @@
           <a:p>
             <a:fld id="{96DFF08F-DC6B-4601-B491-B0F83F6DD2DA}" type="datetimeFigureOut">
               <a:rPr lang="en-US" dirty="0"/>
-              <a:t>1/16/2020</a:t>
+              <a:t>1/22/2020</a:t>
             </a:fld>
             <a:endParaRPr lang="en-US" dirty="0"/>
           </a:p>
@@ -1432,7 +1439,7 @@
           <a:p>
             <a:fld id="{96DFF08F-DC6B-4601-B491-B0F83F6DD2DA}" type="datetimeFigureOut">
               <a:rPr lang="en-US" dirty="0"/>
-              <a:t>1/16/2020</a:t>
+              <a:t>1/22/2020</a:t>
             </a:fld>
             <a:endParaRPr lang="en-US" dirty="0"/>
           </a:p>
@@ -1834,7 +1841,7 @@
           <a:p>
             <a:fld id="{96DFF08F-DC6B-4601-B491-B0F83F6DD2DA}" type="datetimeFigureOut">
               <a:rPr lang="en-US" dirty="0"/>
-              <a:t>1/16/2020</a:t>
+              <a:t>1/22/2020</a:t>
             </a:fld>
             <a:endParaRPr lang="en-US" dirty="0"/>
           </a:p>
@@ -1947,7 +1954,7 @@
           <a:p>
             <a:fld id="{96DFF08F-DC6B-4601-B491-B0F83F6DD2DA}" type="datetimeFigureOut">
               <a:rPr lang="en-US" dirty="0"/>
-              <a:t>1/16/2020</a:t>
+              <a:t>1/22/2020</a:t>
             </a:fld>
             <a:endParaRPr lang="en-US" dirty="0"/>
           </a:p>
@@ -2037,7 +2044,7 @@
           <a:p>
             <a:fld id="{96DFF08F-DC6B-4601-B491-B0F83F6DD2DA}" type="datetimeFigureOut">
               <a:rPr lang="en-US" dirty="0"/>
-              <a:t>1/16/2020</a:t>
+              <a:t>1/22/2020</a:t>
             </a:fld>
             <a:endParaRPr lang="en-US" dirty="0"/>
           </a:p>
@@ -2322,7 +2329,7 @@
           <a:p>
             <a:fld id="{96DFF08F-DC6B-4601-B491-B0F83F6DD2DA}" type="datetimeFigureOut">
               <a:rPr lang="en-US" dirty="0"/>
-              <a:t>1/16/2020</a:t>
+              <a:t>1/22/2020</a:t>
             </a:fld>
             <a:endParaRPr lang="en-US" dirty="0"/>
           </a:p>
@@ -2597,7 +2604,7 @@
           <a:p>
             <a:fld id="{C7616CA0-919D-4A49-9C8A-62FDFB3A5183}" type="datetimeFigureOut">
               <a:rPr lang="en-US" dirty="0"/>
-              <a:t>1/16/2020</a:t>
+              <a:t>1/22/2020</a:t>
             </a:fld>
             <a:endParaRPr lang="en-US" dirty="0"/>
           </a:p>
@@ -2843,7 +2850,7 @@
             <a:fld id="{96DFF08F-DC6B-4601-B491-B0F83F6DD2DA}" type="datetimeFigureOut">
               <a:rPr lang="en-US" dirty="0"/>
               <a:pPr/>
-              <a:t>1/16/2020</a:t>
+              <a:t>1/22/2020</a:t>
             </a:fld>
             <a:endParaRPr lang="en-US" dirty="0"/>
           </a:p>
@@ -3496,7 +3503,9 @@
         </p:nvSpPr>
         <p:spPr/>
         <p:txBody>
-          <a:bodyPr/>
+          <a:bodyPr>
+            <a:normAutofit/>
+          </a:bodyPr>
           <a:lstStyle/>
           <a:p>
             <a:pPr>
@@ -3504,10 +3513,9 @@
               <a:buChar char="Ø"/>
             </a:pPr>
             <a:r>
-              <a:rPr lang="de-CH" dirty="0" err="1"/>
-              <a:t>Dasd</a:t>
-            </a:r>
-            <a:endParaRPr lang="de-CH" dirty="0"/>
+              <a:rPr lang="de-CH" dirty="0"/>
+              <a:t>Thema: Kriminalstatistik</a:t>
+            </a:r>
           </a:p>
           <a:p>
             <a:pPr>
@@ -3515,10 +3523,9 @@
               <a:buChar char="Ø"/>
             </a:pPr>
             <a:r>
-              <a:rPr lang="de-CH" dirty="0" err="1"/>
-              <a:t>Sad</a:t>
-            </a:r>
-            <a:endParaRPr lang="de-CH" dirty="0"/>
+              <a:rPr lang="de-CH" dirty="0"/>
+              <a:t>Demo</a:t>
+            </a:r>
           </a:p>
           <a:p>
             <a:pPr>
@@ -3526,20 +3533,15 @@
               <a:buChar char="Ø"/>
             </a:pPr>
             <a:r>
-              <a:rPr lang="de-CH" dirty="0" err="1"/>
-              <a:t>Sad</a:t>
-            </a:r>
-            <a:endParaRPr lang="de-CH" dirty="0"/>
+              <a:rPr lang="de-CH" dirty="0"/>
+              <a:t>Fazit</a:t>
+            </a:r>
           </a:p>
           <a:p>
             <a:pPr>
               <a:buFont typeface="Wingdings" panose="05000000000000000000" pitchFamily="2" charset="2"/>
               <a:buChar char="Ø"/>
             </a:pPr>
-            <a:r>
-              <a:rPr lang="de-CH" dirty="0" err="1"/>
-              <a:t>Sad</a:t>
-            </a:r>
             <a:endParaRPr lang="de-CH" dirty="0"/>
           </a:p>
           <a:p>
@@ -3547,10 +3549,79 @@
               <a:buFont typeface="Wingdings" panose="05000000000000000000" pitchFamily="2" charset="2"/>
               <a:buChar char="Ø"/>
             </a:pPr>
-            <a:r>
-              <a:rPr lang="de-CH" dirty="0" err="1"/>
-              <a:t>sad</a:t>
-            </a:r>
+            <a:endParaRPr lang="de-CH" dirty="0"/>
+          </a:p>
+          <a:p>
+            <a:pPr>
+              <a:buFont typeface="Wingdings" panose="05000000000000000000" pitchFamily="2" charset="2"/>
+              <a:buChar char="Ø"/>
+            </a:pPr>
+            <a:r>
+              <a:rPr lang="de-CH" dirty="0">
+                <a:highlight>
+                  <a:srgbClr val="FFFF00"/>
+                </a:highlight>
+              </a:rPr>
+              <a:t>Was fehlt noch: (wenn erledigt, untere </a:t>
+            </a:r>
+            <a:r>
+              <a:rPr lang="de-CH">
+                <a:highlight>
+                  <a:srgbClr val="FFFF00"/>
+                </a:highlight>
+              </a:rPr>
+              <a:t>Teil löschen!)</a:t>
+            </a:r>
+            <a:endParaRPr lang="de-CH" dirty="0">
+              <a:highlight>
+                <a:srgbClr val="FFFF00"/>
+              </a:highlight>
+            </a:endParaRPr>
+          </a:p>
+          <a:p>
+            <a:pPr lvl="1">
+              <a:buFont typeface="Wingdings" panose="05000000000000000000" pitchFamily="2" charset="2"/>
+              <a:buChar char="Ø"/>
+            </a:pPr>
+            <a:r>
+              <a:rPr lang="de-CH" dirty="0">
+                <a:highlight>
+                  <a:srgbClr val="FFFF00"/>
+                </a:highlight>
+              </a:rPr>
+              <a:t>Aufgabe 4, also letzte Aufgabe</a:t>
+            </a:r>
+          </a:p>
+          <a:p>
+            <a:pPr lvl="1">
+              <a:buFont typeface="Wingdings" panose="05000000000000000000" pitchFamily="2" charset="2"/>
+              <a:buChar char="Ø"/>
+            </a:pPr>
+            <a:r>
+              <a:rPr lang="de-CH" dirty="0">
+                <a:highlight>
+                  <a:srgbClr val="FFFF00"/>
+                </a:highlight>
+              </a:rPr>
+              <a:t>Testprotokoll</a:t>
+            </a:r>
+          </a:p>
+          <a:p>
+            <a:pPr lvl="1">
+              <a:buFont typeface="Wingdings" panose="05000000000000000000" pitchFamily="2" charset="2"/>
+              <a:buChar char="Ø"/>
+            </a:pPr>
+            <a:r>
+              <a:rPr lang="de-CH" dirty="0">
+                <a:highlight>
+                  <a:srgbClr val="FFFF00"/>
+                </a:highlight>
+              </a:rPr>
+              <a:t>Skript vollständig dokumentiert mit Kommentare?</a:t>
+            </a:r>
+            <a:br>
+              <a:rPr lang="de-CH" dirty="0"/>
+            </a:br>
             <a:endParaRPr lang="de-CH" dirty="0"/>
           </a:p>
         </p:txBody>
@@ -3607,10 +3678,9 @@
           <a:lstStyle/>
           <a:p>
             <a:r>
-              <a:rPr lang="de-CH" dirty="0" err="1"/>
-              <a:t>ddd</a:t>
-            </a:r>
-            <a:endParaRPr lang="de-CH" dirty="0"/>
+              <a:rPr lang="de-CH" dirty="0"/>
+              <a:t>Thema: Kriminalstatistik</a:t>
+            </a:r>
           </a:p>
         </p:txBody>
       </p:sp>
@@ -3635,7 +3705,44 @@
           <a:bodyPr/>
           <a:lstStyle/>
           <a:p>
-            <a:endParaRPr lang="de-CH" dirty="0"/>
+            <a:pPr>
+              <a:buFont typeface="Wingdings" panose="05000000000000000000" pitchFamily="2" charset="2"/>
+              <a:buChar char="Ø"/>
+            </a:pPr>
+            <a:r>
+              <a:rPr lang="de-CH" dirty="0"/>
+              <a:t>Datenstruktur Analyse: alle Spaltenbezeichnung sowie Anzahl der Zeilen anzeigen</a:t>
+            </a:r>
+          </a:p>
+          <a:p>
+            <a:pPr>
+              <a:buFont typeface="Wingdings" panose="05000000000000000000" pitchFamily="2" charset="2"/>
+              <a:buChar char="Ø"/>
+            </a:pPr>
+            <a:r>
+              <a:rPr lang="de-CH" dirty="0"/>
+              <a:t>Daten Analyse: Jede Verbrechen und dazugehörige Total anzeigen</a:t>
+            </a:r>
+          </a:p>
+          <a:p>
+            <a:pPr>
+              <a:buFont typeface="Wingdings" panose="05000000000000000000" pitchFamily="2" charset="2"/>
+              <a:buChar char="Ø"/>
+            </a:pPr>
+            <a:r>
+              <a:rPr lang="de-CH" dirty="0"/>
+              <a:t>Häufigstes Verbrechen pro Stadt anzeigen</a:t>
+            </a:r>
+          </a:p>
+          <a:p>
+            <a:pPr>
+              <a:buFont typeface="Wingdings" panose="05000000000000000000" pitchFamily="2" charset="2"/>
+              <a:buChar char="Ø"/>
+            </a:pPr>
+            <a:r>
+              <a:rPr lang="de-CH" dirty="0"/>
+              <a:t>Beste Stadt in Australien</a:t>
+            </a:r>
           </a:p>
         </p:txBody>
       </p:sp>
@@ -3643,6 +3750,341 @@
     <p:extLst>
       <p:ext uri="{BB962C8B-B14F-4D97-AF65-F5344CB8AC3E}">
         <p14:creationId xmlns:p14="http://schemas.microsoft.com/office/powerpoint/2010/main" val="2701239931"/>
+      </p:ext>
+    </p:extLst>
+  </p:cSld>
+  <p:clrMapOvr>
+    <a:masterClrMapping/>
+  </p:clrMapOvr>
+</p:sld>
+</file>
+
+<file path=ppt/slides/slide4.xml><?xml version="1.0" encoding="utf-8"?>
+<p:sld xmlns:a="http://schemas.openxmlformats.org/drawingml/2006/main" xmlns:r="http://schemas.openxmlformats.org/officeDocument/2006/relationships" xmlns:p="http://schemas.openxmlformats.org/presentationml/2006/main">
+  <p:cSld>
+    <p:spTree>
+      <p:nvGrpSpPr>
+        <p:cNvPr id="1" name=""/>
+        <p:cNvGrpSpPr/>
+        <p:nvPr/>
+      </p:nvGrpSpPr>
+      <p:grpSpPr>
+        <a:xfrm>
+          <a:off x="0" y="0"/>
+          <a:ext cx="0" cy="0"/>
+          <a:chOff x="0" y="0"/>
+          <a:chExt cx="0" cy="0"/>
+        </a:xfrm>
+      </p:grpSpPr>
+      <p:sp>
+        <p:nvSpPr>
+          <p:cNvPr id="2" name="Titel 1">
+            <a:extLst>
+              <a:ext uri="{FF2B5EF4-FFF2-40B4-BE49-F238E27FC236}">
+                <a16:creationId xmlns:a16="http://schemas.microsoft.com/office/drawing/2014/main" id="{EDB17F4F-F592-48E2-BC96-403D8E49DA7A}"/>
+              </a:ext>
+            </a:extLst>
+          </p:cNvPr>
+          <p:cNvSpPr>
+            <a:spLocks noGrp="1"/>
+          </p:cNvSpPr>
+          <p:nvPr>
+            <p:ph type="title"/>
+          </p:nvPr>
+        </p:nvSpPr>
+        <p:spPr/>
+        <p:txBody>
+          <a:bodyPr/>
+          <a:lstStyle/>
+          <a:p>
+            <a:r>
+              <a:rPr lang="de-CH" dirty="0"/>
+              <a:t>Demo</a:t>
+            </a:r>
+          </a:p>
+        </p:txBody>
+      </p:sp>
+      <p:sp>
+        <p:nvSpPr>
+          <p:cNvPr id="3" name="Inhaltsplatzhalter 2">
+            <a:extLst>
+              <a:ext uri="{FF2B5EF4-FFF2-40B4-BE49-F238E27FC236}">
+                <a16:creationId xmlns:a16="http://schemas.microsoft.com/office/drawing/2014/main" id="{83F29A3D-A091-47FC-91E8-4007AE6F8C57}"/>
+              </a:ext>
+            </a:extLst>
+          </p:cNvPr>
+          <p:cNvSpPr>
+            <a:spLocks noGrp="1"/>
+          </p:cNvSpPr>
+          <p:nvPr>
+            <p:ph idx="1"/>
+          </p:nvPr>
+        </p:nvSpPr>
+        <p:spPr/>
+        <p:txBody>
+          <a:bodyPr/>
+          <a:lstStyle/>
+          <a:p>
+            <a:endParaRPr lang="de-CH"/>
+          </a:p>
+        </p:txBody>
+      </p:sp>
+    </p:spTree>
+    <p:extLst>
+      <p:ext uri="{BB962C8B-B14F-4D97-AF65-F5344CB8AC3E}">
+        <p14:creationId xmlns:p14="http://schemas.microsoft.com/office/powerpoint/2010/main" val="3827485873"/>
+      </p:ext>
+    </p:extLst>
+  </p:cSld>
+  <p:clrMapOvr>
+    <a:masterClrMapping/>
+  </p:clrMapOvr>
+</p:sld>
+</file>
+
+<file path=ppt/slides/slide5.xml><?xml version="1.0" encoding="utf-8"?>
+<p:sld xmlns:a="http://schemas.openxmlformats.org/drawingml/2006/main" xmlns:r="http://schemas.openxmlformats.org/officeDocument/2006/relationships" xmlns:p="http://schemas.openxmlformats.org/presentationml/2006/main">
+  <p:cSld>
+    <p:spTree>
+      <p:nvGrpSpPr>
+        <p:cNvPr id="1" name=""/>
+        <p:cNvGrpSpPr/>
+        <p:nvPr/>
+      </p:nvGrpSpPr>
+      <p:grpSpPr>
+        <a:xfrm>
+          <a:off x="0" y="0"/>
+          <a:ext cx="0" cy="0"/>
+          <a:chOff x="0" y="0"/>
+          <a:chExt cx="0" cy="0"/>
+        </a:xfrm>
+      </p:grpSpPr>
+      <p:sp>
+        <p:nvSpPr>
+          <p:cNvPr id="2" name="Titel 1">
+            <a:extLst>
+              <a:ext uri="{FF2B5EF4-FFF2-40B4-BE49-F238E27FC236}">
+                <a16:creationId xmlns:a16="http://schemas.microsoft.com/office/drawing/2014/main" id="{786868EE-D899-4B4D-BAC7-C8F87FA98A58}"/>
+              </a:ext>
+            </a:extLst>
+          </p:cNvPr>
+          <p:cNvSpPr>
+            <a:spLocks noGrp="1"/>
+          </p:cNvSpPr>
+          <p:nvPr>
+            <p:ph type="title"/>
+          </p:nvPr>
+        </p:nvSpPr>
+        <p:spPr/>
+        <p:txBody>
+          <a:bodyPr/>
+          <a:lstStyle/>
+          <a:p>
+            <a:r>
+              <a:rPr lang="de-CH" dirty="0"/>
+              <a:t>Fazit</a:t>
+            </a:r>
+          </a:p>
+        </p:txBody>
+      </p:sp>
+      <p:sp>
+        <p:nvSpPr>
+          <p:cNvPr id="3" name="Inhaltsplatzhalter 2">
+            <a:extLst>
+              <a:ext uri="{FF2B5EF4-FFF2-40B4-BE49-F238E27FC236}">
+                <a16:creationId xmlns:a16="http://schemas.microsoft.com/office/drawing/2014/main" id="{BF54A09A-E087-4458-A6FB-1BD7E9A53765}"/>
+              </a:ext>
+            </a:extLst>
+          </p:cNvPr>
+          <p:cNvSpPr>
+            <a:spLocks noGrp="1"/>
+          </p:cNvSpPr>
+          <p:nvPr>
+            <p:ph idx="1"/>
+          </p:nvPr>
+        </p:nvSpPr>
+        <p:spPr/>
+        <p:txBody>
+          <a:bodyPr/>
+          <a:lstStyle/>
+          <a:p>
+            <a:pPr>
+              <a:buFont typeface="Wingdings" panose="05000000000000000000" pitchFamily="2" charset="2"/>
+              <a:buChar char="Ø"/>
+            </a:pPr>
+            <a:r>
+              <a:rPr lang="de-CH" dirty="0"/>
+              <a:t>DW:</a:t>
+            </a:r>
+          </a:p>
+          <a:p>
+            <a:pPr lvl="1">
+              <a:buFont typeface="Wingdings" panose="05000000000000000000" pitchFamily="2" charset="2"/>
+              <a:buChar char="Ø"/>
+            </a:pPr>
+            <a:r>
+              <a:rPr lang="de-CH" dirty="0"/>
+              <a:t>Die ersten zwei Aufgaben war sehr einfach lösbar, danach Herausforderung</a:t>
+            </a:r>
+          </a:p>
+          <a:p>
+            <a:pPr lvl="1">
+              <a:buFont typeface="Wingdings" panose="05000000000000000000" pitchFamily="2" charset="2"/>
+              <a:buChar char="Ø"/>
+            </a:pPr>
+            <a:r>
+              <a:rPr lang="de-CH" dirty="0"/>
+              <a:t>Viel experimentiert</a:t>
+            </a:r>
+          </a:p>
+          <a:p>
+            <a:pPr lvl="1">
+              <a:buFont typeface="Wingdings" panose="05000000000000000000" pitchFamily="2" charset="2"/>
+              <a:buChar char="Ø"/>
+            </a:pPr>
+            <a:r>
+              <a:rPr lang="de-CH" dirty="0" err="1"/>
+              <a:t>Useless</a:t>
+            </a:r>
+            <a:r>
+              <a:rPr lang="de-CH" dirty="0"/>
+              <a:t> </a:t>
+            </a:r>
+            <a:r>
+              <a:rPr lang="de-CH" dirty="0" err="1"/>
+              <a:t>use</a:t>
+            </a:r>
+            <a:r>
+              <a:rPr lang="de-CH" dirty="0"/>
+              <a:t> </a:t>
+            </a:r>
+            <a:r>
+              <a:rPr lang="de-CH" dirty="0" err="1"/>
+              <a:t>of</a:t>
+            </a:r>
+            <a:r>
+              <a:rPr lang="de-CH" dirty="0"/>
+              <a:t> </a:t>
+            </a:r>
+            <a:r>
+              <a:rPr lang="de-CH" dirty="0" err="1"/>
+              <a:t>cat</a:t>
+            </a:r>
+            <a:r>
+              <a:rPr lang="de-CH" dirty="0"/>
+              <a:t> -&gt; </a:t>
+            </a:r>
+            <a:r>
+              <a:rPr lang="fr-FR" dirty="0"/>
+              <a:t>cat crime.csv | </a:t>
+            </a:r>
+            <a:r>
+              <a:rPr lang="fr-FR" dirty="0" err="1"/>
+              <a:t>wc</a:t>
+            </a:r>
+            <a:r>
+              <a:rPr lang="fr-FR" dirty="0"/>
+              <a:t> –l -&gt; </a:t>
+            </a:r>
+            <a:r>
+              <a:rPr lang="fr-FR" dirty="0" err="1"/>
+              <a:t>besser</a:t>
+            </a:r>
+            <a:r>
+              <a:rPr lang="fr-FR" dirty="0"/>
+              <a:t>: </a:t>
+            </a:r>
+            <a:r>
+              <a:rPr lang="de-CH" dirty="0" err="1"/>
+              <a:t>wc</a:t>
+            </a:r>
+            <a:r>
+              <a:rPr lang="de-CH" dirty="0"/>
+              <a:t> -l &lt; crime.csv</a:t>
+            </a:r>
+          </a:p>
+          <a:p>
+            <a:pPr lvl="1">
+              <a:buFont typeface="Wingdings" panose="05000000000000000000" pitchFamily="2" charset="2"/>
+              <a:buChar char="Ø"/>
+            </a:pPr>
+            <a:r>
+              <a:rPr lang="de-CH" dirty="0"/>
+              <a:t>«</a:t>
+            </a:r>
+            <a:r>
+              <a:rPr lang="de-CH" dirty="0" err="1"/>
+              <a:t>awk</a:t>
+            </a:r>
+            <a:r>
+              <a:rPr lang="de-CH" dirty="0"/>
+              <a:t>» nutzen </a:t>
+            </a:r>
+            <a:r>
+              <a:rPr lang="de-CH" dirty="0" err="1"/>
+              <a:t>nachwievor</a:t>
+            </a:r>
+            <a:r>
+              <a:rPr lang="de-CH" dirty="0"/>
+              <a:t> etwas zu kompliziert</a:t>
+            </a:r>
+          </a:p>
+          <a:p>
+            <a:pPr lvl="1">
+              <a:buFont typeface="Wingdings" panose="05000000000000000000" pitchFamily="2" charset="2"/>
+              <a:buChar char="Ø"/>
+            </a:pPr>
+            <a:endParaRPr lang="de-CH" dirty="0"/>
+          </a:p>
+          <a:p>
+            <a:pPr>
+              <a:buFont typeface="Wingdings" panose="05000000000000000000" pitchFamily="2" charset="2"/>
+              <a:buChar char="Ø"/>
+            </a:pPr>
+            <a:r>
+              <a:rPr lang="de-CH" dirty="0"/>
+              <a:t>ST:</a:t>
+            </a:r>
+          </a:p>
+          <a:p>
+            <a:pPr lvl="1">
+              <a:buFont typeface="Wingdings" panose="05000000000000000000" pitchFamily="2" charset="2"/>
+              <a:buChar char="Ø"/>
+            </a:pPr>
+            <a:r>
+              <a:rPr lang="de-CH" dirty="0" err="1"/>
+              <a:t>Dd</a:t>
+            </a:r>
+            <a:endParaRPr lang="de-CH" dirty="0"/>
+          </a:p>
+          <a:p>
+            <a:pPr lvl="1">
+              <a:buFont typeface="Wingdings" panose="05000000000000000000" pitchFamily="2" charset="2"/>
+              <a:buChar char="Ø"/>
+            </a:pPr>
+            <a:r>
+              <a:rPr lang="de-CH" dirty="0" err="1"/>
+              <a:t>Dd</a:t>
+            </a:r>
+            <a:endParaRPr lang="de-CH" dirty="0"/>
+          </a:p>
+          <a:p>
+            <a:pPr lvl="1">
+              <a:buFont typeface="Wingdings" panose="05000000000000000000" pitchFamily="2" charset="2"/>
+              <a:buChar char="Ø"/>
+            </a:pPr>
+            <a:r>
+              <a:rPr lang="de-CH" dirty="0" err="1"/>
+              <a:t>dd</a:t>
+            </a:r>
+            <a:endParaRPr lang="de-CH" dirty="0"/>
+          </a:p>
+        </p:txBody>
+      </p:sp>
+    </p:spTree>
+    <p:extLst>
+      <p:ext uri="{BB962C8B-B14F-4D97-AF65-F5344CB8AC3E}">
+        <p14:creationId xmlns:p14="http://schemas.microsoft.com/office/powerpoint/2010/main" val="1547972936"/>
       </p:ext>
     </p:extLst>
   </p:cSld>

--- a/Bash-scripting-crime-statistic.pptx
+++ b/Bash-scripting-crime-statistic.pptx
@@ -8,8 +8,12 @@
     <p:sldId id="256" r:id="rId2"/>
     <p:sldId id="257" r:id="rId3"/>
     <p:sldId id="258" r:id="rId4"/>
-    <p:sldId id="260" r:id="rId5"/>
-    <p:sldId id="259" r:id="rId6"/>
+    <p:sldId id="261" r:id="rId5"/>
+    <p:sldId id="262" r:id="rId6"/>
+    <p:sldId id="263" r:id="rId7"/>
+    <p:sldId id="264" r:id="rId8"/>
+    <p:sldId id="260" r:id="rId9"/>
+    <p:sldId id="259" r:id="rId10"/>
   </p:sldIdLst>
   <p:sldSz cx="12192000" cy="6858000"/>
   <p:notesSz cx="6858000" cy="9144000"/>
@@ -307,7 +311,7 @@
             <a:fld id="{96DFF08F-DC6B-4601-B491-B0F83F6DD2DA}" type="datetimeFigureOut">
               <a:rPr lang="en-US" dirty="0"/>
               <a:pPr/>
-              <a:t>1/22/2020</a:t>
+              <a:t>1/23/2020</a:t>
             </a:fld>
             <a:endParaRPr lang="en-US" dirty="0"/>
           </a:p>
@@ -507,7 +511,7 @@
           <a:p>
             <a:fld id="{96DFF08F-DC6B-4601-B491-B0F83F6DD2DA}" type="datetimeFigureOut">
               <a:rPr lang="en-US" dirty="0"/>
-              <a:t>1/22/2020</a:t>
+              <a:t>1/23/2020</a:t>
             </a:fld>
             <a:endParaRPr lang="en-US" dirty="0"/>
           </a:p>
@@ -682,7 +686,7 @@
           <a:p>
             <a:fld id="{96DFF08F-DC6B-4601-B491-B0F83F6DD2DA}" type="datetimeFigureOut">
               <a:rPr lang="en-US" dirty="0"/>
-              <a:t>1/22/2020</a:t>
+              <a:t>1/23/2020</a:t>
             </a:fld>
             <a:endParaRPr lang="en-US" dirty="0"/>
           </a:p>
@@ -882,7 +886,7 @@
           <a:p>
             <a:fld id="{96DFF08F-DC6B-4601-B491-B0F83F6DD2DA}" type="datetimeFigureOut">
               <a:rPr lang="en-US" dirty="0"/>
-              <a:t>1/22/2020</a:t>
+              <a:t>1/23/2020</a:t>
             </a:fld>
             <a:endParaRPr lang="en-US" dirty="0"/>
           </a:p>
@@ -1172,7 +1176,7 @@
           <a:p>
             <a:fld id="{96DFF08F-DC6B-4601-B491-B0F83F6DD2DA}" type="datetimeFigureOut">
               <a:rPr lang="en-US" dirty="0"/>
-              <a:t>1/22/2020</a:t>
+              <a:t>1/23/2020</a:t>
             </a:fld>
             <a:endParaRPr lang="en-US" dirty="0"/>
           </a:p>
@@ -1439,7 +1443,7 @@
           <a:p>
             <a:fld id="{96DFF08F-DC6B-4601-B491-B0F83F6DD2DA}" type="datetimeFigureOut">
               <a:rPr lang="en-US" dirty="0"/>
-              <a:t>1/22/2020</a:t>
+              <a:t>1/23/2020</a:t>
             </a:fld>
             <a:endParaRPr lang="en-US" dirty="0"/>
           </a:p>
@@ -1841,7 +1845,7 @@
           <a:p>
             <a:fld id="{96DFF08F-DC6B-4601-B491-B0F83F6DD2DA}" type="datetimeFigureOut">
               <a:rPr lang="en-US" dirty="0"/>
-              <a:t>1/22/2020</a:t>
+              <a:t>1/23/2020</a:t>
             </a:fld>
             <a:endParaRPr lang="en-US" dirty="0"/>
           </a:p>
@@ -1954,7 +1958,7 @@
           <a:p>
             <a:fld id="{96DFF08F-DC6B-4601-B491-B0F83F6DD2DA}" type="datetimeFigureOut">
               <a:rPr lang="en-US" dirty="0"/>
-              <a:t>1/22/2020</a:t>
+              <a:t>1/23/2020</a:t>
             </a:fld>
             <a:endParaRPr lang="en-US" dirty="0"/>
           </a:p>
@@ -2044,7 +2048,7 @@
           <a:p>
             <a:fld id="{96DFF08F-DC6B-4601-B491-B0F83F6DD2DA}" type="datetimeFigureOut">
               <a:rPr lang="en-US" dirty="0"/>
-              <a:t>1/22/2020</a:t>
+              <a:t>1/23/2020</a:t>
             </a:fld>
             <a:endParaRPr lang="en-US" dirty="0"/>
           </a:p>
@@ -2329,7 +2333,7 @@
           <a:p>
             <a:fld id="{96DFF08F-DC6B-4601-B491-B0F83F6DD2DA}" type="datetimeFigureOut">
               <a:rPr lang="en-US" dirty="0"/>
-              <a:t>1/22/2020</a:t>
+              <a:t>1/23/2020</a:t>
             </a:fld>
             <a:endParaRPr lang="en-US" dirty="0"/>
           </a:p>
@@ -2604,7 +2608,7 @@
           <a:p>
             <a:fld id="{C7616CA0-919D-4A49-9C8A-62FDFB3A5183}" type="datetimeFigureOut">
               <a:rPr lang="en-US" dirty="0"/>
-              <a:t>1/22/2020</a:t>
+              <a:t>1/23/2020</a:t>
             </a:fld>
             <a:endParaRPr lang="en-US" dirty="0"/>
           </a:p>
@@ -2850,7 +2854,7 @@
             <a:fld id="{96DFF08F-DC6B-4601-B491-B0F83F6DD2DA}" type="datetimeFigureOut">
               <a:rPr lang="en-US" dirty="0"/>
               <a:pPr/>
-              <a:t>1/22/2020</a:t>
+              <a:t>1/23/2020</a:t>
             </a:fld>
             <a:endParaRPr lang="en-US" dirty="0"/>
           </a:p>
@@ -3504,7 +3508,7 @@
         <p:spPr/>
         <p:txBody>
           <a:bodyPr>
-            <a:normAutofit/>
+            <a:normAutofit fontScale="85000" lnSpcReduction="20000"/>
           </a:bodyPr>
           <a:lstStyle/>
           <a:p>
@@ -3524,7 +3528,7 @@
             </a:pPr>
             <a:r>
               <a:rPr lang="de-CH" dirty="0"/>
-              <a:t>Demo</a:t>
+              <a:t>Aufgabe 1 Datenstruktur Analyse: alle Spaltenbezeichnung sowie Anzahl der Zeilen anzeigen</a:t>
             </a:r>
           </a:p>
           <a:p>
@@ -3534,7 +3538,7 @@
             </a:pPr>
             <a:r>
               <a:rPr lang="de-CH" dirty="0"/>
-              <a:t>Fazit</a:t>
+              <a:t>Aufgabe 2 Lösung Daten Analyse: Jede Verbrechen und dazugehörige Total anzeigen</a:t>
             </a:r>
           </a:p>
           <a:p>
@@ -3542,14 +3546,20 @@
               <a:buFont typeface="Wingdings" panose="05000000000000000000" pitchFamily="2" charset="2"/>
               <a:buChar char="Ø"/>
             </a:pPr>
-            <a:endParaRPr lang="de-CH" dirty="0"/>
+            <a:r>
+              <a:rPr lang="de-CH" dirty="0"/>
+              <a:t>Aufgabe 3 Lösung Häufigstes Verbrechen pro Stadt anzeigen</a:t>
+            </a:r>
           </a:p>
           <a:p>
             <a:pPr>
               <a:buFont typeface="Wingdings" panose="05000000000000000000" pitchFamily="2" charset="2"/>
               <a:buChar char="Ø"/>
             </a:pPr>
-            <a:endParaRPr lang="de-CH" dirty="0"/>
+            <a:r>
+              <a:rPr lang="de-CH" dirty="0"/>
+              <a:t>Aufgabe 4 Lösung: Beste Stadt in Australien</a:t>
+            </a:r>
           </a:p>
           <a:p>
             <a:pPr>
@@ -3557,26 +3567,33 @@
               <a:buChar char="Ø"/>
             </a:pPr>
             <a:r>
+              <a:rPr lang="de-CH" dirty="0"/>
+              <a:t>Demo</a:t>
+            </a:r>
+          </a:p>
+          <a:p>
+            <a:pPr>
+              <a:buFont typeface="Wingdings" panose="05000000000000000000" pitchFamily="2" charset="2"/>
+              <a:buChar char="Ø"/>
+            </a:pPr>
+            <a:r>
+              <a:rPr lang="de-CH" dirty="0"/>
+              <a:t>Fazit</a:t>
+            </a:r>
+          </a:p>
+          <a:p>
+            <a:pPr>
+              <a:buFont typeface="Wingdings" panose="05000000000000000000" pitchFamily="2" charset="2"/>
+              <a:buChar char="Ø"/>
+            </a:pPr>
+            <a:r>
               <a:rPr lang="de-CH" dirty="0">
                 <a:highlight>
                   <a:srgbClr val="FFFF00"/>
                 </a:highlight>
               </a:rPr>
-              <a:t>Was fehlt noch: (wenn erledigt, untere </a:t>
-            </a:r>
-            <a:r>
-              <a:rPr lang="de-CH">
-                <a:highlight>
-                  <a:srgbClr val="FFFF00"/>
-                </a:highlight>
-              </a:rPr>
-              <a:t>Teil löschen!)</a:t>
-            </a:r>
-            <a:endParaRPr lang="de-CH" dirty="0">
-              <a:highlight>
-                <a:srgbClr val="FFFF00"/>
-              </a:highlight>
-            </a:endParaRPr>
+              <a:t>Was fehlt noch: (wenn erledigt, untere Teil löschen!)</a:t>
+            </a:r>
           </a:p>
           <a:p>
             <a:pPr lvl="1">
@@ -3781,6 +3798,1054 @@
           <p:cNvPr id="2" name="Titel 1">
             <a:extLst>
               <a:ext uri="{FF2B5EF4-FFF2-40B4-BE49-F238E27FC236}">
+                <a16:creationId xmlns:a16="http://schemas.microsoft.com/office/drawing/2014/main" id="{8DDE0D17-78B3-493F-8E9D-E6C1CD01E817}"/>
+              </a:ext>
+            </a:extLst>
+          </p:cNvPr>
+          <p:cNvSpPr>
+            <a:spLocks noGrp="1"/>
+          </p:cNvSpPr>
+          <p:nvPr>
+            <p:ph type="title"/>
+          </p:nvPr>
+        </p:nvSpPr>
+        <p:spPr/>
+        <p:txBody>
+          <a:bodyPr/>
+          <a:lstStyle/>
+          <a:p>
+            <a:r>
+              <a:rPr lang="de-CH" dirty="0"/>
+              <a:t>Aufgabe 1</a:t>
+            </a:r>
+          </a:p>
+        </p:txBody>
+      </p:sp>
+      <p:sp>
+        <p:nvSpPr>
+          <p:cNvPr id="3" name="Inhaltsplatzhalter 2">
+            <a:extLst>
+              <a:ext uri="{FF2B5EF4-FFF2-40B4-BE49-F238E27FC236}">
+                <a16:creationId xmlns:a16="http://schemas.microsoft.com/office/drawing/2014/main" id="{D1280293-D4E5-4992-A0FD-C6CA01001A2C}"/>
+              </a:ext>
+            </a:extLst>
+          </p:cNvPr>
+          <p:cNvSpPr>
+            <a:spLocks noGrp="1"/>
+          </p:cNvSpPr>
+          <p:nvPr>
+            <p:ph idx="1"/>
+          </p:nvPr>
+        </p:nvSpPr>
+        <p:spPr>
+          <a:xfrm>
+            <a:off x="1024128" y="2286000"/>
+            <a:ext cx="11017618" cy="4023360"/>
+          </a:xfrm>
+        </p:spPr>
+        <p:txBody>
+          <a:bodyPr/>
+          <a:lstStyle/>
+          <a:p>
+            <a:pPr marL="0" indent="0">
+              <a:buNone/>
+            </a:pPr>
+            <a:r>
+              <a:rPr lang="de-CH" dirty="0"/>
+              <a:t>Anzahl Zeilen ausgeben:</a:t>
+            </a:r>
+          </a:p>
+          <a:p>
+            <a:pPr marL="0" indent="0">
+              <a:buNone/>
+            </a:pPr>
+            <a:r>
+              <a:rPr lang="de-CH" dirty="0">
+                <a:solidFill>
+                  <a:srgbClr val="DCDCAA"/>
+                </a:solidFill>
+                <a:latin typeface="Consolas" panose="020B0609020204030204" pitchFamily="49" charset="0"/>
+              </a:rPr>
+              <a:t>echo</a:t>
+            </a:r>
+            <a:r>
+              <a:rPr lang="de-CH" dirty="0">
+                <a:solidFill>
+                  <a:srgbClr val="D4D4D4"/>
+                </a:solidFill>
+                <a:latin typeface="Consolas" panose="020B0609020204030204" pitchFamily="49" charset="0"/>
+              </a:rPr>
+              <a:t> </a:t>
+            </a:r>
+            <a:r>
+              <a:rPr lang="de-CH" dirty="0">
+                <a:solidFill>
+                  <a:srgbClr val="CE9178"/>
+                </a:solidFill>
+                <a:latin typeface="Consolas" panose="020B0609020204030204" pitchFamily="49" charset="0"/>
+              </a:rPr>
+              <a:t>"Anzahl Zeilen: $(</a:t>
+            </a:r>
+            <a:r>
+              <a:rPr lang="de-CH" dirty="0" err="1">
+                <a:solidFill>
+                  <a:srgbClr val="CE9178"/>
+                </a:solidFill>
+                <a:latin typeface="Consolas" panose="020B0609020204030204" pitchFamily="49" charset="0"/>
+              </a:rPr>
+              <a:t>wc</a:t>
+            </a:r>
+            <a:r>
+              <a:rPr lang="de-CH" dirty="0">
+                <a:solidFill>
+                  <a:srgbClr val="CE9178"/>
+                </a:solidFill>
+                <a:latin typeface="Consolas" panose="020B0609020204030204" pitchFamily="49" charset="0"/>
+              </a:rPr>
+              <a:t> -l </a:t>
+            </a:r>
+            <a:r>
+              <a:rPr lang="de-CH" dirty="0">
+                <a:solidFill>
+                  <a:srgbClr val="D4D4D4"/>
+                </a:solidFill>
+                <a:latin typeface="Consolas" panose="020B0609020204030204" pitchFamily="49" charset="0"/>
+              </a:rPr>
+              <a:t>&lt;</a:t>
+            </a:r>
+            <a:r>
+              <a:rPr lang="de-CH" dirty="0">
+                <a:solidFill>
+                  <a:srgbClr val="CE9178"/>
+                </a:solidFill>
+                <a:latin typeface="Consolas" panose="020B0609020204030204" pitchFamily="49" charset="0"/>
+              </a:rPr>
+              <a:t> crime.csv)"</a:t>
+            </a:r>
+            <a:endParaRPr lang="de-CH" dirty="0">
+              <a:solidFill>
+                <a:srgbClr val="D4D4D4"/>
+              </a:solidFill>
+              <a:latin typeface="Consolas" panose="020B0609020204030204" pitchFamily="49" charset="0"/>
+            </a:endParaRPr>
+          </a:p>
+          <a:p>
+            <a:pPr marL="0" indent="0">
+              <a:buNone/>
+            </a:pPr>
+            <a:endParaRPr lang="de-CH" dirty="0"/>
+          </a:p>
+          <a:p>
+            <a:pPr marL="0" indent="0">
+              <a:buNone/>
+            </a:pPr>
+            <a:r>
+              <a:rPr lang="de-CH" dirty="0"/>
+              <a:t>Alle Spaltenbezeichnungen ausgeben:</a:t>
+            </a:r>
+          </a:p>
+          <a:p>
+            <a:pPr marL="0" indent="0">
+              <a:buNone/>
+            </a:pPr>
+            <a:r>
+              <a:rPr lang="de-CH" dirty="0">
+                <a:solidFill>
+                  <a:srgbClr val="DCDCAA"/>
+                </a:solidFill>
+                <a:latin typeface="Consolas" panose="020B0609020204030204" pitchFamily="49" charset="0"/>
+              </a:rPr>
+              <a:t>echo</a:t>
+            </a:r>
+            <a:r>
+              <a:rPr lang="de-CH" dirty="0">
+                <a:solidFill>
+                  <a:srgbClr val="D4D4D4"/>
+                </a:solidFill>
+                <a:latin typeface="Consolas" panose="020B0609020204030204" pitchFamily="49" charset="0"/>
+              </a:rPr>
+              <a:t> </a:t>
+            </a:r>
+            <a:r>
+              <a:rPr lang="de-CH" dirty="0">
+                <a:solidFill>
+                  <a:srgbClr val="CE9178"/>
+                </a:solidFill>
+                <a:latin typeface="Consolas" panose="020B0609020204030204" pitchFamily="49" charset="0"/>
+              </a:rPr>
+              <a:t>"Spaltenbezeichnungen: $(</a:t>
+            </a:r>
+            <a:r>
+              <a:rPr lang="de-CH" dirty="0" err="1">
+                <a:solidFill>
+                  <a:srgbClr val="CE9178"/>
+                </a:solidFill>
+                <a:latin typeface="Consolas" panose="020B0609020204030204" pitchFamily="49" charset="0"/>
+              </a:rPr>
+              <a:t>awk</a:t>
+            </a:r>
+            <a:r>
+              <a:rPr lang="de-CH" dirty="0">
+                <a:solidFill>
+                  <a:srgbClr val="CE9178"/>
+                </a:solidFill>
+                <a:latin typeface="Consolas" panose="020B0609020204030204" pitchFamily="49" charset="0"/>
+              </a:rPr>
+              <a:t> 'NR==1{</a:t>
+            </a:r>
+            <a:r>
+              <a:rPr lang="de-CH" dirty="0" err="1">
+                <a:solidFill>
+                  <a:srgbClr val="CE9178"/>
+                </a:solidFill>
+                <a:latin typeface="Consolas" panose="020B0609020204030204" pitchFamily="49" charset="0"/>
+              </a:rPr>
+              <a:t>print</a:t>
+            </a:r>
+            <a:r>
+              <a:rPr lang="de-CH" dirty="0">
+                <a:solidFill>
+                  <a:srgbClr val="CE9178"/>
+                </a:solidFill>
+                <a:latin typeface="Consolas" panose="020B0609020204030204" pitchFamily="49" charset="0"/>
+              </a:rPr>
+              <a:t>; </a:t>
+            </a:r>
+            <a:r>
+              <a:rPr lang="de-CH" dirty="0" err="1">
+                <a:solidFill>
+                  <a:srgbClr val="CE9178"/>
+                </a:solidFill>
+                <a:latin typeface="Consolas" panose="020B0609020204030204" pitchFamily="49" charset="0"/>
+              </a:rPr>
+              <a:t>exit</a:t>
+            </a:r>
+            <a:r>
+              <a:rPr lang="de-CH" dirty="0">
+                <a:solidFill>
+                  <a:srgbClr val="CE9178"/>
+                </a:solidFill>
+                <a:latin typeface="Consolas" panose="020B0609020204030204" pitchFamily="49" charset="0"/>
+              </a:rPr>
+              <a:t>}' crime.csv)"</a:t>
+            </a:r>
+            <a:endParaRPr lang="de-CH" dirty="0">
+              <a:solidFill>
+                <a:srgbClr val="D4D4D4"/>
+              </a:solidFill>
+              <a:latin typeface="Consolas" panose="020B0609020204030204" pitchFamily="49" charset="0"/>
+            </a:endParaRPr>
+          </a:p>
+          <a:p>
+            <a:endParaRPr lang="de-CH" dirty="0"/>
+          </a:p>
+        </p:txBody>
+      </p:sp>
+    </p:spTree>
+    <p:extLst>
+      <p:ext uri="{BB962C8B-B14F-4D97-AF65-F5344CB8AC3E}">
+        <p14:creationId xmlns:p14="http://schemas.microsoft.com/office/powerpoint/2010/main" val="424776008"/>
+      </p:ext>
+    </p:extLst>
+  </p:cSld>
+  <p:clrMapOvr>
+    <a:masterClrMapping/>
+  </p:clrMapOvr>
+</p:sld>
+</file>
+
+<file path=ppt/slides/slide5.xml><?xml version="1.0" encoding="utf-8"?>
+<p:sld xmlns:a="http://schemas.openxmlformats.org/drawingml/2006/main" xmlns:r="http://schemas.openxmlformats.org/officeDocument/2006/relationships" xmlns:p="http://schemas.openxmlformats.org/presentationml/2006/main">
+  <p:cSld>
+    <p:spTree>
+      <p:nvGrpSpPr>
+        <p:cNvPr id="1" name=""/>
+        <p:cNvGrpSpPr/>
+        <p:nvPr/>
+      </p:nvGrpSpPr>
+      <p:grpSpPr>
+        <a:xfrm>
+          <a:off x="0" y="0"/>
+          <a:ext cx="0" cy="0"/>
+          <a:chOff x="0" y="0"/>
+          <a:chExt cx="0" cy="0"/>
+        </a:xfrm>
+      </p:grpSpPr>
+      <p:sp>
+        <p:nvSpPr>
+          <p:cNvPr id="2" name="Titel 1">
+            <a:extLst>
+              <a:ext uri="{FF2B5EF4-FFF2-40B4-BE49-F238E27FC236}">
+                <a16:creationId xmlns:a16="http://schemas.microsoft.com/office/drawing/2014/main" id="{8DDE0D17-78B3-493F-8E9D-E6C1CD01E817}"/>
+              </a:ext>
+            </a:extLst>
+          </p:cNvPr>
+          <p:cNvSpPr>
+            <a:spLocks noGrp="1"/>
+          </p:cNvSpPr>
+          <p:nvPr>
+            <p:ph type="title"/>
+          </p:nvPr>
+        </p:nvSpPr>
+        <p:spPr/>
+        <p:txBody>
+          <a:bodyPr/>
+          <a:lstStyle/>
+          <a:p>
+            <a:r>
+              <a:rPr lang="de-CH" dirty="0"/>
+              <a:t>Aufgabe 2</a:t>
+            </a:r>
+          </a:p>
+        </p:txBody>
+      </p:sp>
+      <p:sp>
+        <p:nvSpPr>
+          <p:cNvPr id="3" name="Inhaltsplatzhalter 2">
+            <a:extLst>
+              <a:ext uri="{FF2B5EF4-FFF2-40B4-BE49-F238E27FC236}">
+                <a16:creationId xmlns:a16="http://schemas.microsoft.com/office/drawing/2014/main" id="{D1280293-D4E5-4992-A0FD-C6CA01001A2C}"/>
+              </a:ext>
+            </a:extLst>
+          </p:cNvPr>
+          <p:cNvSpPr>
+            <a:spLocks noGrp="1"/>
+          </p:cNvSpPr>
+          <p:nvPr>
+            <p:ph idx="1"/>
+          </p:nvPr>
+        </p:nvSpPr>
+        <p:spPr/>
+        <p:txBody>
+          <a:bodyPr/>
+          <a:lstStyle/>
+          <a:p>
+            <a:pPr marL="0" indent="0">
+              <a:buNone/>
+            </a:pPr>
+            <a:r>
+              <a:rPr lang="de-CH" dirty="0"/>
+              <a:t>Ausgabe alle Verbrechen und die jeweiligen Häufigkeit:</a:t>
+            </a:r>
+          </a:p>
+          <a:p>
+            <a:r>
+              <a:rPr lang="de-CH" dirty="0" err="1">
+                <a:solidFill>
+                  <a:srgbClr val="D4D4D4"/>
+                </a:solidFill>
+                <a:latin typeface="Consolas" panose="020B0609020204030204" pitchFamily="49" charset="0"/>
+              </a:rPr>
+              <a:t>awk</a:t>
+            </a:r>
+            <a:r>
+              <a:rPr lang="de-CH" dirty="0">
+                <a:solidFill>
+                  <a:srgbClr val="D4D4D4"/>
+                </a:solidFill>
+                <a:latin typeface="Consolas" panose="020B0609020204030204" pitchFamily="49" charset="0"/>
+              </a:rPr>
+              <a:t> -F, </a:t>
+            </a:r>
+            <a:r>
+              <a:rPr lang="de-CH" dirty="0">
+                <a:solidFill>
+                  <a:srgbClr val="CE9178"/>
+                </a:solidFill>
+                <a:latin typeface="Consolas" panose="020B0609020204030204" pitchFamily="49" charset="0"/>
+              </a:rPr>
+              <a:t>'{</a:t>
+            </a:r>
+            <a:r>
+              <a:rPr lang="de-CH" dirty="0" err="1">
+                <a:solidFill>
+                  <a:srgbClr val="CE9178"/>
+                </a:solidFill>
+                <a:latin typeface="Consolas" panose="020B0609020204030204" pitchFamily="49" charset="0"/>
+              </a:rPr>
+              <a:t>print</a:t>
+            </a:r>
+            <a:r>
+              <a:rPr lang="de-CH" dirty="0">
+                <a:solidFill>
+                  <a:srgbClr val="CE9178"/>
+                </a:solidFill>
+                <a:latin typeface="Consolas" panose="020B0609020204030204" pitchFamily="49" charset="0"/>
+              </a:rPr>
+              <a:t> $1, $NF;}'</a:t>
+            </a:r>
+            <a:r>
+              <a:rPr lang="de-CH" dirty="0">
+                <a:solidFill>
+                  <a:srgbClr val="D4D4D4"/>
+                </a:solidFill>
+                <a:latin typeface="Consolas" panose="020B0609020204030204" pitchFamily="49" charset="0"/>
+              </a:rPr>
+              <a:t> crime.csv</a:t>
+            </a:r>
+          </a:p>
+          <a:p>
+            <a:pPr marL="0" indent="0">
+              <a:buNone/>
+            </a:pPr>
+            <a:endParaRPr lang="de-CH" dirty="0"/>
+          </a:p>
+        </p:txBody>
+      </p:sp>
+    </p:spTree>
+    <p:extLst>
+      <p:ext uri="{BB962C8B-B14F-4D97-AF65-F5344CB8AC3E}">
+        <p14:creationId xmlns:p14="http://schemas.microsoft.com/office/powerpoint/2010/main" val="3625470504"/>
+      </p:ext>
+    </p:extLst>
+  </p:cSld>
+  <p:clrMapOvr>
+    <a:masterClrMapping/>
+  </p:clrMapOvr>
+</p:sld>
+</file>
+
+<file path=ppt/slides/slide6.xml><?xml version="1.0" encoding="utf-8"?>
+<p:sld xmlns:a="http://schemas.openxmlformats.org/drawingml/2006/main" xmlns:r="http://schemas.openxmlformats.org/officeDocument/2006/relationships" xmlns:p="http://schemas.openxmlformats.org/presentationml/2006/main">
+  <p:cSld>
+    <p:spTree>
+      <p:nvGrpSpPr>
+        <p:cNvPr id="1" name=""/>
+        <p:cNvGrpSpPr/>
+        <p:nvPr/>
+      </p:nvGrpSpPr>
+      <p:grpSpPr>
+        <a:xfrm>
+          <a:off x="0" y="0"/>
+          <a:ext cx="0" cy="0"/>
+          <a:chOff x="0" y="0"/>
+          <a:chExt cx="0" cy="0"/>
+        </a:xfrm>
+      </p:grpSpPr>
+      <p:sp>
+        <p:nvSpPr>
+          <p:cNvPr id="2" name="Titel 1">
+            <a:extLst>
+              <a:ext uri="{FF2B5EF4-FFF2-40B4-BE49-F238E27FC236}">
+                <a16:creationId xmlns:a16="http://schemas.microsoft.com/office/drawing/2014/main" id="{8DDE0D17-78B3-493F-8E9D-E6C1CD01E817}"/>
+              </a:ext>
+            </a:extLst>
+          </p:cNvPr>
+          <p:cNvSpPr>
+            <a:spLocks noGrp="1"/>
+          </p:cNvSpPr>
+          <p:nvPr>
+            <p:ph type="title"/>
+          </p:nvPr>
+        </p:nvSpPr>
+        <p:spPr/>
+        <p:txBody>
+          <a:bodyPr/>
+          <a:lstStyle/>
+          <a:p>
+            <a:r>
+              <a:rPr lang="de-CH" dirty="0"/>
+              <a:t>Aufgabe 3</a:t>
+            </a:r>
+          </a:p>
+        </p:txBody>
+      </p:sp>
+      <p:sp>
+        <p:nvSpPr>
+          <p:cNvPr id="3" name="Inhaltsplatzhalter 2">
+            <a:extLst>
+              <a:ext uri="{FF2B5EF4-FFF2-40B4-BE49-F238E27FC236}">
+                <a16:creationId xmlns:a16="http://schemas.microsoft.com/office/drawing/2014/main" id="{D1280293-D4E5-4992-A0FD-C6CA01001A2C}"/>
+              </a:ext>
+            </a:extLst>
+          </p:cNvPr>
+          <p:cNvSpPr>
+            <a:spLocks noGrp="1"/>
+          </p:cNvSpPr>
+          <p:nvPr>
+            <p:ph idx="1"/>
+          </p:nvPr>
+        </p:nvSpPr>
+        <p:spPr/>
+        <p:txBody>
+          <a:bodyPr/>
+          <a:lstStyle/>
+          <a:p>
+            <a:pPr marL="0" indent="0">
+              <a:buNone/>
+            </a:pPr>
+            <a:r>
+              <a:rPr lang="de-CH" dirty="0"/>
+              <a:t>Häufigstes Verbrechen pro Stadt:</a:t>
+            </a:r>
+          </a:p>
+          <a:p>
+            <a:pPr marL="0" indent="0">
+              <a:buNone/>
+            </a:pPr>
+            <a:r>
+              <a:rPr lang="de-CH" dirty="0" err="1">
+                <a:solidFill>
+                  <a:srgbClr val="C586C0"/>
+                </a:solidFill>
+                <a:latin typeface="Consolas" panose="020B0609020204030204" pitchFamily="49" charset="0"/>
+              </a:rPr>
+              <a:t>for</a:t>
+            </a:r>
+            <a:r>
+              <a:rPr lang="de-CH" dirty="0">
+                <a:solidFill>
+                  <a:srgbClr val="D4D4D4"/>
+                </a:solidFill>
+                <a:latin typeface="Consolas" panose="020B0609020204030204" pitchFamily="49" charset="0"/>
+              </a:rPr>
+              <a:t> </a:t>
+            </a:r>
+            <a:r>
+              <a:rPr lang="de-CH" dirty="0">
+                <a:solidFill>
+                  <a:srgbClr val="9CDCFE"/>
+                </a:solidFill>
+                <a:latin typeface="Consolas" panose="020B0609020204030204" pitchFamily="49" charset="0"/>
+              </a:rPr>
+              <a:t>i</a:t>
+            </a:r>
+            <a:r>
+              <a:rPr lang="de-CH" dirty="0">
+                <a:solidFill>
+                  <a:srgbClr val="D4D4D4"/>
+                </a:solidFill>
+                <a:latin typeface="Consolas" panose="020B0609020204030204" pitchFamily="49" charset="0"/>
+              </a:rPr>
+              <a:t> </a:t>
+            </a:r>
+            <a:r>
+              <a:rPr lang="de-CH" dirty="0">
+                <a:solidFill>
+                  <a:srgbClr val="C586C0"/>
+                </a:solidFill>
+                <a:latin typeface="Consolas" panose="020B0609020204030204" pitchFamily="49" charset="0"/>
+              </a:rPr>
+              <a:t>in</a:t>
+            </a:r>
+            <a:r>
+              <a:rPr lang="de-CH" dirty="0">
+                <a:solidFill>
+                  <a:srgbClr val="D4D4D4"/>
+                </a:solidFill>
+                <a:latin typeface="Consolas" panose="020B0609020204030204" pitchFamily="49" charset="0"/>
+              </a:rPr>
+              <a:t> {3..10}; </a:t>
+            </a:r>
+            <a:r>
+              <a:rPr lang="de-CH" dirty="0">
+                <a:solidFill>
+                  <a:srgbClr val="C586C0"/>
+                </a:solidFill>
+                <a:latin typeface="Consolas" panose="020B0609020204030204" pitchFamily="49" charset="0"/>
+              </a:rPr>
+              <a:t>do</a:t>
+            </a:r>
+            <a:endParaRPr lang="de-CH" dirty="0">
+              <a:solidFill>
+                <a:srgbClr val="D4D4D4"/>
+              </a:solidFill>
+              <a:latin typeface="Consolas" panose="020B0609020204030204" pitchFamily="49" charset="0"/>
+            </a:endParaRPr>
+          </a:p>
+          <a:p>
+            <a:pPr marL="0" indent="0">
+              <a:buNone/>
+            </a:pPr>
+            <a:r>
+              <a:rPr lang="de-CH" dirty="0">
+                <a:solidFill>
+                  <a:srgbClr val="D4D4D4"/>
+                </a:solidFill>
+                <a:latin typeface="Consolas" panose="020B0609020204030204" pitchFamily="49" charset="0"/>
+              </a:rPr>
+              <a:t>	</a:t>
+            </a:r>
+            <a:r>
+              <a:rPr lang="de-CH" dirty="0">
+                <a:solidFill>
+                  <a:srgbClr val="DCDCAA"/>
+                </a:solidFill>
+                <a:latin typeface="Consolas" panose="020B0609020204030204" pitchFamily="49" charset="0"/>
+              </a:rPr>
+              <a:t>echo</a:t>
+            </a:r>
+            <a:r>
+              <a:rPr lang="de-CH" dirty="0">
+                <a:solidFill>
+                  <a:srgbClr val="D4D4D4"/>
+                </a:solidFill>
+                <a:latin typeface="Consolas" panose="020B0609020204030204" pitchFamily="49" charset="0"/>
+              </a:rPr>
+              <a:t> </a:t>
+            </a:r>
+            <a:r>
+              <a:rPr lang="de-CH" dirty="0">
+                <a:solidFill>
+                  <a:srgbClr val="CE9178"/>
+                </a:solidFill>
+                <a:latin typeface="Consolas" panose="020B0609020204030204" pitchFamily="49" charset="0"/>
+              </a:rPr>
+              <a:t>"Most </a:t>
+            </a:r>
+            <a:r>
+              <a:rPr lang="de-CH" dirty="0" err="1">
+                <a:solidFill>
+                  <a:srgbClr val="CE9178"/>
+                </a:solidFill>
+                <a:latin typeface="Consolas" panose="020B0609020204030204" pitchFamily="49" charset="0"/>
+              </a:rPr>
+              <a:t>crimes</a:t>
+            </a:r>
+            <a:r>
+              <a:rPr lang="de-CH" dirty="0">
+                <a:solidFill>
+                  <a:srgbClr val="CE9178"/>
+                </a:solidFill>
+                <a:latin typeface="Consolas" panose="020B0609020204030204" pitchFamily="49" charset="0"/>
+              </a:rPr>
+              <a:t> in $(</a:t>
+            </a:r>
+            <a:r>
+              <a:rPr lang="de-CH" dirty="0" err="1">
+                <a:solidFill>
+                  <a:srgbClr val="CE9178"/>
+                </a:solidFill>
+                <a:latin typeface="Consolas" panose="020B0609020204030204" pitchFamily="49" charset="0"/>
+              </a:rPr>
+              <a:t>awk</a:t>
+            </a:r>
+            <a:r>
+              <a:rPr lang="de-CH" dirty="0">
+                <a:solidFill>
+                  <a:srgbClr val="CE9178"/>
+                </a:solidFill>
+                <a:latin typeface="Consolas" panose="020B0609020204030204" pitchFamily="49" charset="0"/>
+              </a:rPr>
+              <a:t> -	F, "{</a:t>
+            </a:r>
+            <a:r>
+              <a:rPr lang="de-CH" dirty="0" err="1">
+                <a:solidFill>
+                  <a:srgbClr val="CE9178"/>
+                </a:solidFill>
+                <a:latin typeface="Consolas" panose="020B0609020204030204" pitchFamily="49" charset="0"/>
+              </a:rPr>
+              <a:t>print</a:t>
+            </a:r>
+            <a:r>
+              <a:rPr lang="de-CH" dirty="0">
+                <a:solidFill>
+                  <a:srgbClr val="CE9178"/>
+                </a:solidFill>
+                <a:latin typeface="Consolas" panose="020B0609020204030204" pitchFamily="49" charset="0"/>
+              </a:rPr>
+              <a:t> </a:t>
+            </a:r>
+            <a:r>
+              <a:rPr lang="de-CH" dirty="0">
+                <a:solidFill>
+                  <a:srgbClr val="D7BA7D"/>
+                </a:solidFill>
+                <a:latin typeface="Consolas" panose="020B0609020204030204" pitchFamily="49" charset="0"/>
+              </a:rPr>
+              <a:t>\$</a:t>
+            </a:r>
+            <a:r>
+              <a:rPr lang="de-CH" dirty="0">
+                <a:solidFill>
+                  <a:srgbClr val="9CDCFE"/>
+                </a:solidFill>
+                <a:latin typeface="Consolas" panose="020B0609020204030204" pitchFamily="49" charset="0"/>
+              </a:rPr>
+              <a:t>$i</a:t>
+            </a:r>
+            <a:r>
+              <a:rPr lang="de-CH" dirty="0">
+                <a:solidFill>
+                  <a:srgbClr val="CE9178"/>
+                </a:solidFill>
+                <a:latin typeface="Consolas" panose="020B0609020204030204" pitchFamily="49" charset="0"/>
+              </a:rPr>
+              <a:t>}" crime.csv </a:t>
+            </a:r>
+            <a:r>
+              <a:rPr lang="de-CH" dirty="0">
+                <a:solidFill>
+                  <a:srgbClr val="D4D4D4"/>
+                </a:solidFill>
+                <a:latin typeface="Consolas" panose="020B0609020204030204" pitchFamily="49" charset="0"/>
+              </a:rPr>
+              <a:t>|</a:t>
+            </a:r>
+            <a:r>
+              <a:rPr lang="de-CH" dirty="0">
+                <a:solidFill>
+                  <a:srgbClr val="CE9178"/>
+                </a:solidFill>
+                <a:latin typeface="Consolas" panose="020B0609020204030204" pitchFamily="49" charset="0"/>
+              </a:rPr>
+              <a:t> </a:t>
+            </a:r>
+            <a:r>
+              <a:rPr lang="de-CH" dirty="0" err="1">
+                <a:solidFill>
+                  <a:srgbClr val="CE9178"/>
+                </a:solidFill>
+                <a:latin typeface="Consolas" panose="020B0609020204030204" pitchFamily="49" charset="0"/>
+              </a:rPr>
+              <a:t>head</a:t>
+            </a:r>
+            <a:r>
+              <a:rPr lang="de-CH" dirty="0">
+                <a:solidFill>
+                  <a:srgbClr val="CE9178"/>
+                </a:solidFill>
+                <a:latin typeface="Consolas" panose="020B0609020204030204" pitchFamily="49" charset="0"/>
+              </a:rPr>
+              <a:t> -1): $(</a:t>
+            </a:r>
+            <a:r>
+              <a:rPr lang="de-CH" dirty="0" err="1">
+                <a:solidFill>
+                  <a:srgbClr val="CE9178"/>
+                </a:solidFill>
+                <a:latin typeface="Consolas" panose="020B0609020204030204" pitchFamily="49" charset="0"/>
+              </a:rPr>
+              <a:t>sort</a:t>
+            </a:r>
+            <a:r>
+              <a:rPr lang="de-CH" dirty="0">
+                <a:solidFill>
+                  <a:srgbClr val="CE9178"/>
+                </a:solidFill>
+                <a:latin typeface="Consolas" panose="020B0609020204030204" pitchFamily="49" charset="0"/>
+              </a:rPr>
+              <a:t> -</a:t>
+            </a:r>
+            <a:r>
+              <a:rPr lang="de-CH" dirty="0" err="1">
+                <a:solidFill>
+                  <a:srgbClr val="CE9178"/>
+                </a:solidFill>
+                <a:latin typeface="Consolas" panose="020B0609020204030204" pitchFamily="49" charset="0"/>
+              </a:rPr>
+              <a:t>k</a:t>
+            </a:r>
+            <a:r>
+              <a:rPr lang="de-CH" dirty="0" err="1">
+                <a:solidFill>
+                  <a:srgbClr val="9CDCFE"/>
+                </a:solidFill>
+                <a:latin typeface="Consolas" panose="020B0609020204030204" pitchFamily="49" charset="0"/>
+              </a:rPr>
+              <a:t>$i</a:t>
+            </a:r>
+            <a:r>
+              <a:rPr lang="de-CH" dirty="0">
+                <a:solidFill>
+                  <a:srgbClr val="CE9178"/>
+                </a:solidFill>
+                <a:latin typeface="Consolas" panose="020B0609020204030204" pitchFamily="49" charset="0"/>
+              </a:rPr>
+              <a:t> -	t, -r -n crime.csv </a:t>
+            </a:r>
+            <a:r>
+              <a:rPr lang="de-CH" dirty="0">
+                <a:solidFill>
+                  <a:srgbClr val="D4D4D4"/>
+                </a:solidFill>
+                <a:latin typeface="Consolas" panose="020B0609020204030204" pitchFamily="49" charset="0"/>
+              </a:rPr>
+              <a:t>|</a:t>
+            </a:r>
+            <a:r>
+              <a:rPr lang="de-CH" dirty="0">
+                <a:solidFill>
+                  <a:srgbClr val="CE9178"/>
+                </a:solidFill>
+                <a:latin typeface="Consolas" panose="020B0609020204030204" pitchFamily="49" charset="0"/>
+              </a:rPr>
+              <a:t> </a:t>
+            </a:r>
+            <a:r>
+              <a:rPr lang="de-CH" dirty="0" err="1">
+                <a:solidFill>
+                  <a:srgbClr val="CE9178"/>
+                </a:solidFill>
+                <a:latin typeface="Consolas" panose="020B0609020204030204" pitchFamily="49" charset="0"/>
+              </a:rPr>
+              <a:t>head</a:t>
+            </a:r>
+            <a:r>
+              <a:rPr lang="de-CH" dirty="0">
+                <a:solidFill>
+                  <a:srgbClr val="CE9178"/>
+                </a:solidFill>
+                <a:latin typeface="Consolas" panose="020B0609020204030204" pitchFamily="49" charset="0"/>
+              </a:rPr>
+              <a:t> -1 </a:t>
+            </a:r>
+            <a:r>
+              <a:rPr lang="de-CH" dirty="0">
+                <a:solidFill>
+                  <a:srgbClr val="D4D4D4"/>
+                </a:solidFill>
+                <a:latin typeface="Consolas" panose="020B0609020204030204" pitchFamily="49" charset="0"/>
+              </a:rPr>
+              <a:t>|</a:t>
+            </a:r>
+            <a:r>
+              <a:rPr lang="de-CH" dirty="0">
+                <a:solidFill>
+                  <a:srgbClr val="CE9178"/>
+                </a:solidFill>
+                <a:latin typeface="Consolas" panose="020B0609020204030204" pitchFamily="49" charset="0"/>
+              </a:rPr>
+              <a:t> </a:t>
+            </a:r>
+            <a:r>
+              <a:rPr lang="de-CH" dirty="0" err="1">
+                <a:solidFill>
+                  <a:srgbClr val="CE9178"/>
+                </a:solidFill>
+                <a:latin typeface="Consolas" panose="020B0609020204030204" pitchFamily="49" charset="0"/>
+              </a:rPr>
+              <a:t>awk</a:t>
+            </a:r>
+            <a:r>
+              <a:rPr lang="de-CH" dirty="0">
+                <a:solidFill>
+                  <a:srgbClr val="CE9178"/>
+                </a:solidFill>
+                <a:latin typeface="Consolas" panose="020B0609020204030204" pitchFamily="49" charset="0"/>
+              </a:rPr>
+              <a:t> -	F, "{</a:t>
+            </a:r>
+            <a:r>
+              <a:rPr lang="de-CH" dirty="0" err="1">
+                <a:solidFill>
+                  <a:srgbClr val="CE9178"/>
+                </a:solidFill>
+                <a:latin typeface="Consolas" panose="020B0609020204030204" pitchFamily="49" charset="0"/>
+              </a:rPr>
+              <a:t>print</a:t>
+            </a:r>
+            <a:r>
+              <a:rPr lang="de-CH" dirty="0">
+                <a:solidFill>
+                  <a:srgbClr val="CE9178"/>
+                </a:solidFill>
+                <a:latin typeface="Consolas" panose="020B0609020204030204" pitchFamily="49" charset="0"/>
+              </a:rPr>
+              <a:t> </a:t>
+            </a:r>
+            <a:r>
+              <a:rPr lang="de-CH" dirty="0">
+                <a:solidFill>
+                  <a:srgbClr val="D7BA7D"/>
+                </a:solidFill>
+                <a:latin typeface="Consolas" panose="020B0609020204030204" pitchFamily="49" charset="0"/>
+              </a:rPr>
+              <a:t>\$</a:t>
+            </a:r>
+            <a:r>
+              <a:rPr lang="de-CH" dirty="0">
+                <a:solidFill>
+                  <a:srgbClr val="CE9178"/>
+                </a:solidFill>
+                <a:latin typeface="Consolas" panose="020B0609020204030204" pitchFamily="49" charset="0"/>
+              </a:rPr>
+              <a:t>1, </a:t>
+            </a:r>
+            <a:r>
+              <a:rPr lang="de-CH" dirty="0">
+                <a:solidFill>
+                  <a:srgbClr val="D7BA7D"/>
+                </a:solidFill>
+                <a:latin typeface="Consolas" panose="020B0609020204030204" pitchFamily="49" charset="0"/>
+              </a:rPr>
+              <a:t>\$</a:t>
+            </a:r>
+            <a:r>
+              <a:rPr lang="de-CH" dirty="0">
+                <a:solidFill>
+                  <a:srgbClr val="9CDCFE"/>
+                </a:solidFill>
+                <a:latin typeface="Consolas" panose="020B0609020204030204" pitchFamily="49" charset="0"/>
+              </a:rPr>
+              <a:t>$i</a:t>
+            </a:r>
+            <a:r>
+              <a:rPr lang="de-CH" dirty="0">
+                <a:solidFill>
+                  <a:srgbClr val="CE9178"/>
+                </a:solidFill>
+                <a:latin typeface="Consolas" panose="020B0609020204030204" pitchFamily="49" charset="0"/>
+              </a:rPr>
+              <a:t>}")"</a:t>
+            </a:r>
+            <a:endParaRPr lang="de-CH" dirty="0">
+              <a:solidFill>
+                <a:srgbClr val="D4D4D4"/>
+              </a:solidFill>
+              <a:latin typeface="Consolas" panose="020B0609020204030204" pitchFamily="49" charset="0"/>
+            </a:endParaRPr>
+          </a:p>
+          <a:p>
+            <a:pPr marL="0" indent="0">
+              <a:buNone/>
+            </a:pPr>
+            <a:r>
+              <a:rPr lang="de-CH" dirty="0" err="1">
+                <a:solidFill>
+                  <a:srgbClr val="C586C0"/>
+                </a:solidFill>
+                <a:latin typeface="Consolas" panose="020B0609020204030204" pitchFamily="49" charset="0"/>
+              </a:rPr>
+              <a:t>done</a:t>
+            </a:r>
+            <a:endParaRPr lang="de-CH" dirty="0">
+              <a:solidFill>
+                <a:srgbClr val="D4D4D4"/>
+              </a:solidFill>
+              <a:latin typeface="Consolas" panose="020B0609020204030204" pitchFamily="49" charset="0"/>
+            </a:endParaRPr>
+          </a:p>
+          <a:p>
+            <a:pPr marL="0" indent="0">
+              <a:buNone/>
+            </a:pPr>
+            <a:endParaRPr lang="de-CH" dirty="0"/>
+          </a:p>
+        </p:txBody>
+      </p:sp>
+    </p:spTree>
+    <p:extLst>
+      <p:ext uri="{BB962C8B-B14F-4D97-AF65-F5344CB8AC3E}">
+        <p14:creationId xmlns:p14="http://schemas.microsoft.com/office/powerpoint/2010/main" val="2025658394"/>
+      </p:ext>
+    </p:extLst>
+  </p:cSld>
+  <p:clrMapOvr>
+    <a:masterClrMapping/>
+  </p:clrMapOvr>
+</p:sld>
+</file>
+
+<file path=ppt/slides/slide7.xml><?xml version="1.0" encoding="utf-8"?>
+<p:sld xmlns:a="http://schemas.openxmlformats.org/drawingml/2006/main" xmlns:r="http://schemas.openxmlformats.org/officeDocument/2006/relationships" xmlns:p="http://schemas.openxmlformats.org/presentationml/2006/main">
+  <p:cSld>
+    <p:spTree>
+      <p:nvGrpSpPr>
+        <p:cNvPr id="1" name=""/>
+        <p:cNvGrpSpPr/>
+        <p:nvPr/>
+      </p:nvGrpSpPr>
+      <p:grpSpPr>
+        <a:xfrm>
+          <a:off x="0" y="0"/>
+          <a:ext cx="0" cy="0"/>
+          <a:chOff x="0" y="0"/>
+          <a:chExt cx="0" cy="0"/>
+        </a:xfrm>
+      </p:grpSpPr>
+      <p:sp>
+        <p:nvSpPr>
+          <p:cNvPr id="2" name="Titel 1">
+            <a:extLst>
+              <a:ext uri="{FF2B5EF4-FFF2-40B4-BE49-F238E27FC236}">
+                <a16:creationId xmlns:a16="http://schemas.microsoft.com/office/drawing/2014/main" id="{8DDE0D17-78B3-493F-8E9D-E6C1CD01E817}"/>
+              </a:ext>
+            </a:extLst>
+          </p:cNvPr>
+          <p:cNvSpPr>
+            <a:spLocks noGrp="1"/>
+          </p:cNvSpPr>
+          <p:nvPr>
+            <p:ph type="title"/>
+          </p:nvPr>
+        </p:nvSpPr>
+        <p:spPr/>
+        <p:txBody>
+          <a:bodyPr/>
+          <a:lstStyle/>
+          <a:p>
+            <a:r>
+              <a:rPr lang="de-CH" dirty="0"/>
+              <a:t>Aufgabe 4</a:t>
+            </a:r>
+          </a:p>
+        </p:txBody>
+      </p:sp>
+      <p:sp>
+        <p:nvSpPr>
+          <p:cNvPr id="3" name="Inhaltsplatzhalter 2">
+            <a:extLst>
+              <a:ext uri="{FF2B5EF4-FFF2-40B4-BE49-F238E27FC236}">
+                <a16:creationId xmlns:a16="http://schemas.microsoft.com/office/drawing/2014/main" id="{D1280293-D4E5-4992-A0FD-C6CA01001A2C}"/>
+              </a:ext>
+            </a:extLst>
+          </p:cNvPr>
+          <p:cNvSpPr>
+            <a:spLocks noGrp="1"/>
+          </p:cNvSpPr>
+          <p:nvPr>
+            <p:ph idx="1"/>
+          </p:nvPr>
+        </p:nvSpPr>
+        <p:spPr/>
+        <p:txBody>
+          <a:bodyPr/>
+          <a:lstStyle/>
+          <a:p>
+            <a:pPr marL="0" indent="0">
+              <a:buNone/>
+            </a:pPr>
+            <a:endParaRPr lang="de-CH" i="1" dirty="0"/>
+          </a:p>
+        </p:txBody>
+      </p:sp>
+    </p:spTree>
+    <p:extLst>
+      <p:ext uri="{BB962C8B-B14F-4D97-AF65-F5344CB8AC3E}">
+        <p14:creationId xmlns:p14="http://schemas.microsoft.com/office/powerpoint/2010/main" val="252954491"/>
+      </p:ext>
+    </p:extLst>
+  </p:cSld>
+  <p:clrMapOvr>
+    <a:masterClrMapping/>
+  </p:clrMapOvr>
+</p:sld>
+</file>
+
+<file path=ppt/slides/slide8.xml><?xml version="1.0" encoding="utf-8"?>
+<p:sld xmlns:a="http://schemas.openxmlformats.org/drawingml/2006/main" xmlns:r="http://schemas.openxmlformats.org/officeDocument/2006/relationships" xmlns:p="http://schemas.openxmlformats.org/presentationml/2006/main">
+  <p:cSld>
+    <p:spTree>
+      <p:nvGrpSpPr>
+        <p:cNvPr id="1" name=""/>
+        <p:cNvGrpSpPr/>
+        <p:nvPr/>
+      </p:nvGrpSpPr>
+      <p:grpSpPr>
+        <a:xfrm>
+          <a:off x="0" y="0"/>
+          <a:ext cx="0" cy="0"/>
+          <a:chOff x="0" y="0"/>
+          <a:chExt cx="0" cy="0"/>
+        </a:xfrm>
+      </p:grpSpPr>
+      <p:sp>
+        <p:nvSpPr>
+          <p:cNvPr id="2" name="Titel 1">
+            <a:extLst>
+              <a:ext uri="{FF2B5EF4-FFF2-40B4-BE49-F238E27FC236}">
                 <a16:creationId xmlns:a16="http://schemas.microsoft.com/office/drawing/2014/main" id="{EDB17F4F-F592-48E2-BC96-403D8E49DA7A}"/>
               </a:ext>
             </a:extLst>
@@ -3825,7 +4890,63 @@
           <a:bodyPr/>
           <a:lstStyle/>
           <a:p>
-            <a:endParaRPr lang="de-CH"/>
+            <a:r>
+              <a:rPr lang="de-CH" dirty="0"/>
+              <a:t>Wir haben einen Menu Skript erstellt, welches wir ganz einfach bestimmte Aufgaben direkt darstellen lassen können.</a:t>
+            </a:r>
+          </a:p>
+          <a:p>
+            <a:endParaRPr lang="de-CH" dirty="0"/>
+          </a:p>
+          <a:p>
+            <a:r>
+              <a:rPr lang="de-CH" dirty="0" err="1"/>
+              <a:t>Have</a:t>
+            </a:r>
+            <a:r>
+              <a:rPr lang="de-CH" dirty="0"/>
+              <a:t> Fun </a:t>
+            </a:r>
+            <a:r>
+              <a:rPr lang="de-CH" dirty="0">
+                <a:sym typeface="Wingdings" panose="05000000000000000000" pitchFamily="2" charset="2"/>
+              </a:rPr>
+              <a:t></a:t>
+            </a:r>
+          </a:p>
+          <a:p>
+            <a:endParaRPr lang="de-CH" dirty="0">
+              <a:sym typeface="Wingdings" panose="05000000000000000000" pitchFamily="2" charset="2"/>
+            </a:endParaRPr>
+          </a:p>
+          <a:p>
+            <a:endParaRPr lang="de-CH" dirty="0">
+              <a:sym typeface="Wingdings" panose="05000000000000000000" pitchFamily="2" charset="2"/>
+            </a:endParaRPr>
+          </a:p>
+          <a:p>
+            <a:r>
+              <a:rPr lang="de-CH" dirty="0" err="1">
+                <a:sym typeface="Wingdings" panose="05000000000000000000" pitchFamily="2" charset="2"/>
+              </a:rPr>
+              <a:t>Github</a:t>
+            </a:r>
+            <a:r>
+              <a:rPr lang="de-CH">
+                <a:sym typeface="Wingdings" panose="05000000000000000000" pitchFamily="2" charset="2"/>
+              </a:rPr>
+              <a:t>: </a:t>
+            </a:r>
+            <a:r>
+              <a:rPr lang="de-CH">
+                <a:sym typeface="Wingdings" panose="05000000000000000000" pitchFamily="2" charset="2"/>
+                <a:hlinkClick r:id="rId2"/>
+              </a:rPr>
+              <a:t>https://github.com/xXx-DoMoDo-xXx/bashscripting_crime</a:t>
+            </a:r>
+            <a:endParaRPr lang="de-CH">
+              <a:sym typeface="Wingdings" panose="05000000000000000000" pitchFamily="2" charset="2"/>
+            </a:endParaRPr>
           </a:p>
         </p:txBody>
       </p:sp>
@@ -3842,7 +4963,7 @@
 </p:sld>
 </file>
 
-<file path=ppt/slides/slide5.xml><?xml version="1.0" encoding="utf-8"?>
+<file path=ppt/slides/slide9.xml><?xml version="1.0" encoding="utf-8"?>
 <p:sld xmlns:a="http://schemas.openxmlformats.org/drawingml/2006/main" xmlns:r="http://schemas.openxmlformats.org/officeDocument/2006/relationships" xmlns:p="http://schemas.openxmlformats.org/presentationml/2006/main">
   <p:cSld>
     <p:spTree>

--- a/Bash-scripting-crime-statistic.pptx
+++ b/Bash-scripting-crime-statistic.pptx
@@ -4778,7 +4778,15 @@
           <a:p>
             <a:r>
               <a:rPr lang="de-CH" dirty="0"/>
-              <a:t>Aufgabe 4</a:t>
+              <a:t>Aufgabe 3 (schnellere </a:t>
+            </a:r>
+            <a:r>
+              <a:rPr lang="de-CH" dirty="0" err="1"/>
+              <a:t>ausführung</a:t>
+            </a:r>
+            <a:r>
+              <a:rPr lang="de-CH" dirty="0"/>
+              <a:t>)</a:t>
             </a:r>
           </a:p>
         </p:txBody>
@@ -4807,10 +4815,71 @@
             <a:pPr marL="0" indent="0">
               <a:buNone/>
             </a:pPr>
+            <a:r>
+              <a:rPr lang="de-CH" b="1" i="1" dirty="0"/>
+              <a:t>Häufigste Verbrechen pro Stadt:</a:t>
+            </a:r>
+          </a:p>
+          <a:p>
+            <a:pPr marL="0" indent="0">
+              <a:buNone/>
+            </a:pPr>
+            <a:r>
+              <a:rPr lang="de-CH" i="1" dirty="0">
+                <a:solidFill>
+                  <a:schemeClr val="bg1">
+                    <a:lumMod val="65000"/>
+                  </a:schemeClr>
+                </a:solidFill>
+                <a:latin typeface="Consolas" panose="020B0609020204030204" pitchFamily="49" charset="0"/>
+              </a:rPr>
+              <a:t>./cr2.awk &lt; crime.csv</a:t>
+            </a:r>
+          </a:p>
+          <a:p>
+            <a:pPr marL="0" indent="0">
+              <a:buNone/>
+            </a:pPr>
             <a:endParaRPr lang="de-CH" i="1" dirty="0"/>
           </a:p>
-        </p:txBody>
-      </p:sp>
+          <a:p>
+            <a:pPr marL="0" indent="0">
+              <a:buNone/>
+            </a:pPr>
+            <a:endParaRPr lang="de-CH" i="1" dirty="0"/>
+          </a:p>
+        </p:txBody>
+      </p:sp>
+      <p:pic>
+        <p:nvPicPr>
+          <p:cNvPr id="4" name="Grafik 3">
+            <a:extLst>
+              <a:ext uri="{FF2B5EF4-FFF2-40B4-BE49-F238E27FC236}">
+                <a16:creationId xmlns:a16="http://schemas.microsoft.com/office/drawing/2014/main" id="{A429FF0D-0689-4BE5-9B43-57D7E002C236}"/>
+              </a:ext>
+            </a:extLst>
+          </p:cNvPr>
+          <p:cNvPicPr>
+            <a:picLocks noChangeAspect="1"/>
+          </p:cNvPicPr>
+          <p:nvPr/>
+        </p:nvPicPr>
+        <p:blipFill>
+          <a:blip r:embed="rId2"/>
+          <a:stretch>
+            <a:fillRect/>
+          </a:stretch>
+        </p:blipFill>
+        <p:spPr>
+          <a:xfrm>
+            <a:off x="5382162" y="1709066"/>
+            <a:ext cx="5162550" cy="4714875"/>
+          </a:xfrm>
+          <a:prstGeom prst="rect">
+            <a:avLst/>
+          </a:prstGeom>
+        </p:spPr>
+      </p:pic>
     </p:spTree>
     <p:extLst>
       <p:ext uri="{BB962C8B-B14F-4D97-AF65-F5344CB8AC3E}">
@@ -5163,7 +5232,7 @@
               <a:buChar char="Ø"/>
             </a:pPr>
             <a:r>
-              <a:rPr lang="de-CH" dirty="0"/>
+              <a:rPr lang="de-CH"/>
               <a:t>ST:</a:t>
             </a:r>
           </a:p>
@@ -5172,32 +5241,6 @@
               <a:buFont typeface="Wingdings" panose="05000000000000000000" pitchFamily="2" charset="2"/>
               <a:buChar char="Ø"/>
             </a:pPr>
-            <a:r>
-              <a:rPr lang="de-CH" dirty="0" err="1"/>
-              <a:t>Dd</a:t>
-            </a:r>
-            <a:endParaRPr lang="de-CH" dirty="0"/>
-          </a:p>
-          <a:p>
-            <a:pPr lvl="1">
-              <a:buFont typeface="Wingdings" panose="05000000000000000000" pitchFamily="2" charset="2"/>
-              <a:buChar char="Ø"/>
-            </a:pPr>
-            <a:r>
-              <a:rPr lang="de-CH" dirty="0" err="1"/>
-              <a:t>Dd</a:t>
-            </a:r>
-            <a:endParaRPr lang="de-CH" dirty="0"/>
-          </a:p>
-          <a:p>
-            <a:pPr lvl="1">
-              <a:buFont typeface="Wingdings" panose="05000000000000000000" pitchFamily="2" charset="2"/>
-              <a:buChar char="Ø"/>
-            </a:pPr>
-            <a:r>
-              <a:rPr lang="de-CH" dirty="0" err="1"/>
-              <a:t>dd</a:t>
-            </a:r>
             <a:endParaRPr lang="de-CH" dirty="0"/>
           </a:p>
         </p:txBody>

--- a/Bash-scripting-crime-statistic.pptx
+++ b/Bash-scripting-crime-statistic.pptx
@@ -5098,16 +5098,6 @@
           <a:bodyPr/>
           <a:lstStyle/>
           <a:p>
-            <a:pPr>
-              <a:buFont typeface="Wingdings" panose="05000000000000000000" pitchFamily="2" charset="2"/>
-              <a:buChar char="Ø"/>
-            </a:pPr>
-            <a:r>
-              <a:rPr lang="de-CH" dirty="0"/>
-              <a:t>DW:</a:t>
-            </a:r>
-          </a:p>
-          <a:p>
             <a:pPr lvl="1">
               <a:buFont typeface="Wingdings" panose="05000000000000000000" pitchFamily="2" charset="2"/>
               <a:buChar char="Ø"/>
@@ -5217,23 +5207,6 @@
             <a:r>
               <a:rPr lang="de-CH" dirty="0"/>
               <a:t> etwas zu kompliziert</a:t>
-            </a:r>
-          </a:p>
-          <a:p>
-            <a:pPr lvl="1">
-              <a:buFont typeface="Wingdings" panose="05000000000000000000" pitchFamily="2" charset="2"/>
-              <a:buChar char="Ø"/>
-            </a:pPr>
-            <a:endParaRPr lang="de-CH" dirty="0"/>
-          </a:p>
-          <a:p>
-            <a:pPr>
-              <a:buFont typeface="Wingdings" panose="05000000000000000000" pitchFamily="2" charset="2"/>
-              <a:buChar char="Ø"/>
-            </a:pPr>
-            <a:r>
-              <a:rPr lang="de-CH"/>
-              <a:t>ST:</a:t>
             </a:r>
           </a:p>
           <a:p>

--- a/Bash-scripting-crime-statistic.pptx
+++ b/Bash-scripting-crime-statistic.pptx
@@ -8,12 +8,14 @@
     <p:sldId id="256" r:id="rId2"/>
     <p:sldId id="257" r:id="rId3"/>
     <p:sldId id="258" r:id="rId4"/>
-    <p:sldId id="261" r:id="rId5"/>
-    <p:sldId id="262" r:id="rId6"/>
-    <p:sldId id="263" r:id="rId7"/>
-    <p:sldId id="264" r:id="rId8"/>
-    <p:sldId id="260" r:id="rId9"/>
+    <p:sldId id="260" r:id="rId5"/>
+    <p:sldId id="261" r:id="rId6"/>
+    <p:sldId id="262" r:id="rId7"/>
+    <p:sldId id="263" r:id="rId8"/>
+    <p:sldId id="264" r:id="rId9"/>
     <p:sldId id="259" r:id="rId10"/>
+    <p:sldId id="265" r:id="rId11"/>
+    <p:sldId id="266" r:id="rId12"/>
   </p:sldIdLst>
   <p:sldSz cx="12192000" cy="6858000"/>
   <p:notesSz cx="6858000" cy="9144000"/>
@@ -3444,6 +3446,172 @@
 </p:sld>
 </file>
 
+<file path=ppt/slides/slide10.xml><?xml version="1.0" encoding="utf-8"?>
+<p:sld xmlns:a="http://schemas.openxmlformats.org/drawingml/2006/main" xmlns:r="http://schemas.openxmlformats.org/officeDocument/2006/relationships" xmlns:p="http://schemas.openxmlformats.org/presentationml/2006/main">
+  <p:cSld>
+    <p:spTree>
+      <p:nvGrpSpPr>
+        <p:cNvPr id="1" name=""/>
+        <p:cNvGrpSpPr/>
+        <p:nvPr/>
+      </p:nvGrpSpPr>
+      <p:grpSpPr>
+        <a:xfrm>
+          <a:off x="0" y="0"/>
+          <a:ext cx="0" cy="0"/>
+          <a:chOff x="0" y="0"/>
+          <a:chExt cx="0" cy="0"/>
+        </a:xfrm>
+      </p:grpSpPr>
+      <p:sp>
+        <p:nvSpPr>
+          <p:cNvPr id="2" name="Titel 1">
+            <a:extLst>
+              <a:ext uri="{FF2B5EF4-FFF2-40B4-BE49-F238E27FC236}">
+                <a16:creationId xmlns:a16="http://schemas.microsoft.com/office/drawing/2014/main" id="{B099F41D-5789-4552-8DFE-5A88CCAB663E}"/>
+              </a:ext>
+            </a:extLst>
+          </p:cNvPr>
+          <p:cNvSpPr>
+            <a:spLocks noGrp="1"/>
+          </p:cNvSpPr>
+          <p:nvPr>
+            <p:ph type="title"/>
+          </p:nvPr>
+        </p:nvSpPr>
+        <p:spPr/>
+        <p:txBody>
+          <a:bodyPr/>
+          <a:lstStyle/>
+          <a:p>
+            <a:r>
+              <a:rPr lang="de-CH" dirty="0"/>
+              <a:t>Fragenrunde?</a:t>
+            </a:r>
+          </a:p>
+        </p:txBody>
+      </p:sp>
+      <p:sp>
+        <p:nvSpPr>
+          <p:cNvPr id="3" name="Inhaltsplatzhalter 2">
+            <a:extLst>
+              <a:ext uri="{FF2B5EF4-FFF2-40B4-BE49-F238E27FC236}">
+                <a16:creationId xmlns:a16="http://schemas.microsoft.com/office/drawing/2014/main" id="{AB94029F-A161-4BA2-AF31-148142DBB18F}"/>
+              </a:ext>
+            </a:extLst>
+          </p:cNvPr>
+          <p:cNvSpPr>
+            <a:spLocks noGrp="1"/>
+          </p:cNvSpPr>
+          <p:nvPr>
+            <p:ph idx="1"/>
+          </p:nvPr>
+        </p:nvSpPr>
+        <p:spPr/>
+        <p:txBody>
+          <a:bodyPr/>
+          <a:lstStyle/>
+          <a:p>
+            <a:endParaRPr lang="de-CH"/>
+          </a:p>
+        </p:txBody>
+      </p:sp>
+    </p:spTree>
+    <p:extLst>
+      <p:ext uri="{BB962C8B-B14F-4D97-AF65-F5344CB8AC3E}">
+        <p14:creationId xmlns:p14="http://schemas.microsoft.com/office/powerpoint/2010/main" val="4070586518"/>
+      </p:ext>
+    </p:extLst>
+  </p:cSld>
+  <p:clrMapOvr>
+    <a:masterClrMapping/>
+  </p:clrMapOvr>
+</p:sld>
+</file>
+
+<file path=ppt/slides/slide11.xml><?xml version="1.0" encoding="utf-8"?>
+<p:sld xmlns:a="http://schemas.openxmlformats.org/drawingml/2006/main" xmlns:r="http://schemas.openxmlformats.org/officeDocument/2006/relationships" xmlns:p="http://schemas.openxmlformats.org/presentationml/2006/main">
+  <p:cSld>
+    <p:spTree>
+      <p:nvGrpSpPr>
+        <p:cNvPr id="1" name=""/>
+        <p:cNvGrpSpPr/>
+        <p:nvPr/>
+      </p:nvGrpSpPr>
+      <p:grpSpPr>
+        <a:xfrm>
+          <a:off x="0" y="0"/>
+          <a:ext cx="0" cy="0"/>
+          <a:chOff x="0" y="0"/>
+          <a:chExt cx="0" cy="0"/>
+        </a:xfrm>
+      </p:grpSpPr>
+      <p:sp>
+        <p:nvSpPr>
+          <p:cNvPr id="2" name="Titel 1">
+            <a:extLst>
+              <a:ext uri="{FF2B5EF4-FFF2-40B4-BE49-F238E27FC236}">
+                <a16:creationId xmlns:a16="http://schemas.microsoft.com/office/drawing/2014/main" id="{4CD282EA-625B-4936-9F1E-09804BD0A8FD}"/>
+              </a:ext>
+            </a:extLst>
+          </p:cNvPr>
+          <p:cNvSpPr>
+            <a:spLocks noGrp="1"/>
+          </p:cNvSpPr>
+          <p:nvPr>
+            <p:ph type="title"/>
+          </p:nvPr>
+        </p:nvSpPr>
+        <p:spPr/>
+        <p:txBody>
+          <a:bodyPr/>
+          <a:lstStyle/>
+          <a:p>
+            <a:r>
+              <a:rPr lang="de-CH" dirty="0"/>
+              <a:t>Danke für euer Aufmerksamkeit</a:t>
+            </a:r>
+          </a:p>
+        </p:txBody>
+      </p:sp>
+      <p:sp>
+        <p:nvSpPr>
+          <p:cNvPr id="3" name="Inhaltsplatzhalter 2">
+            <a:extLst>
+              <a:ext uri="{FF2B5EF4-FFF2-40B4-BE49-F238E27FC236}">
+                <a16:creationId xmlns:a16="http://schemas.microsoft.com/office/drawing/2014/main" id="{93E60D98-0B97-4C89-85D4-89DDB9F78878}"/>
+              </a:ext>
+            </a:extLst>
+          </p:cNvPr>
+          <p:cNvSpPr>
+            <a:spLocks noGrp="1"/>
+          </p:cNvSpPr>
+          <p:nvPr>
+            <p:ph idx="1"/>
+          </p:nvPr>
+        </p:nvSpPr>
+        <p:spPr/>
+        <p:txBody>
+          <a:bodyPr/>
+          <a:lstStyle/>
+          <a:p>
+            <a:endParaRPr lang="de-CH"/>
+          </a:p>
+        </p:txBody>
+      </p:sp>
+    </p:spTree>
+    <p:extLst>
+      <p:ext uri="{BB962C8B-B14F-4D97-AF65-F5344CB8AC3E}">
+        <p14:creationId xmlns:p14="http://schemas.microsoft.com/office/powerpoint/2010/main" val="3525106547"/>
+      </p:ext>
+    </p:extLst>
+  </p:cSld>
+  <p:clrMapOvr>
+    <a:masterClrMapping/>
+  </p:clrMapOvr>
+</p:sld>
+</file>
+
 <file path=ppt/slides/slide2.xml><?xml version="1.0" encoding="utf-8"?>
 <p:sld xmlns:a="http://schemas.openxmlformats.org/drawingml/2006/main" xmlns:r="http://schemas.openxmlformats.org/officeDocument/2006/relationships" xmlns:p="http://schemas.openxmlformats.org/presentationml/2006/main">
   <p:cSld>
@@ -3505,10 +3673,15 @@
             <p:ph idx="1"/>
           </p:nvPr>
         </p:nvSpPr>
-        <p:spPr/>
+        <p:spPr>
+          <a:xfrm>
+            <a:off x="1024128" y="2286000"/>
+            <a:ext cx="9720071" cy="4436772"/>
+          </a:xfrm>
+        </p:spPr>
         <p:txBody>
           <a:bodyPr>
-            <a:normAutofit fontScale="85000" lnSpcReduction="20000"/>
+            <a:normAutofit/>
           </a:bodyPr>
           <a:lstStyle/>
           <a:p>
@@ -3528,7 +3701,7 @@
             </a:pPr>
             <a:r>
               <a:rPr lang="de-CH" dirty="0"/>
-              <a:t>Aufgabe 1 Datenstruktur Analyse: alle Spaltenbezeichnung sowie Anzahl der Zeilen anzeigen</a:t>
+              <a:t>Demo</a:t>
             </a:r>
           </a:p>
           <a:p>
@@ -3538,7 +3711,7 @@
             </a:pPr>
             <a:r>
               <a:rPr lang="de-CH" dirty="0"/>
-              <a:t>Aufgabe 2 Lösung Daten Analyse: Jede Verbrechen und dazugehörige Total anzeigen</a:t>
+              <a:t>Aufgabe 1 Datenstruktur Analyse: alle Spaltenbezeichnung sowie Anzahl der Zeilen anzeigen</a:t>
             </a:r>
           </a:p>
           <a:p>
@@ -3548,7 +3721,7 @@
             </a:pPr>
             <a:r>
               <a:rPr lang="de-CH" dirty="0"/>
-              <a:t>Aufgabe 3 Lösung Häufigstes Verbrechen pro Stadt anzeigen</a:t>
+              <a:t>Aufgabe 2 Lösung Daten Analyse: Jede Verbrechen und dazugehörige Total anzeigen</a:t>
             </a:r>
           </a:p>
           <a:p>
@@ -3558,7 +3731,7 @@
             </a:pPr>
             <a:r>
               <a:rPr lang="de-CH" dirty="0"/>
-              <a:t>Aufgabe 4 Lösung: Beste Stadt in Australien</a:t>
+              <a:t>Aufgabe 3 Lösung Häufigstes Verbrechen pro Stadt anzeigen</a:t>
             </a:r>
           </a:p>
           <a:p>
@@ -3568,7 +3741,7 @@
             </a:pPr>
             <a:r>
               <a:rPr lang="de-CH" dirty="0"/>
-              <a:t>Demo</a:t>
+              <a:t>Aufgabe 4 Lösung: Beste Stadt in Australien</a:t>
             </a:r>
           </a:p>
           <a:p>
@@ -3580,66 +3753,6 @@
               <a:rPr lang="de-CH" dirty="0"/>
               <a:t>Fazit</a:t>
             </a:r>
-          </a:p>
-          <a:p>
-            <a:pPr>
-              <a:buFont typeface="Wingdings" panose="05000000000000000000" pitchFamily="2" charset="2"/>
-              <a:buChar char="Ø"/>
-            </a:pPr>
-            <a:r>
-              <a:rPr lang="de-CH" dirty="0">
-                <a:highlight>
-                  <a:srgbClr val="FFFF00"/>
-                </a:highlight>
-              </a:rPr>
-              <a:t>Was fehlt noch: (wenn erledigt, untere Teil löschen!)</a:t>
-            </a:r>
-          </a:p>
-          <a:p>
-            <a:pPr lvl="1">
-              <a:buFont typeface="Wingdings" panose="05000000000000000000" pitchFamily="2" charset="2"/>
-              <a:buChar char="Ø"/>
-            </a:pPr>
-            <a:r>
-              <a:rPr lang="de-CH" dirty="0">
-                <a:highlight>
-                  <a:srgbClr val="FFFF00"/>
-                </a:highlight>
-              </a:rPr>
-              <a:t>Aufgabe 4, also letzte Aufgabe</a:t>
-            </a:r>
-          </a:p>
-          <a:p>
-            <a:pPr lvl="1">
-              <a:buFont typeface="Wingdings" panose="05000000000000000000" pitchFamily="2" charset="2"/>
-              <a:buChar char="Ø"/>
-            </a:pPr>
-            <a:r>
-              <a:rPr lang="de-CH" dirty="0">
-                <a:highlight>
-                  <a:srgbClr val="FFFF00"/>
-                </a:highlight>
-              </a:rPr>
-              <a:t>Testprotokoll</a:t>
-            </a:r>
-          </a:p>
-          <a:p>
-            <a:pPr lvl="1">
-              <a:buFont typeface="Wingdings" panose="05000000000000000000" pitchFamily="2" charset="2"/>
-              <a:buChar char="Ø"/>
-            </a:pPr>
-            <a:r>
-              <a:rPr lang="de-CH" dirty="0">
-                <a:highlight>
-                  <a:srgbClr val="FFFF00"/>
-                </a:highlight>
-              </a:rPr>
-              <a:t>Skript vollständig dokumentiert mit Kommentare?</a:t>
-            </a:r>
-            <a:br>
-              <a:rPr lang="de-CH" dirty="0"/>
-            </a:br>
-            <a:endParaRPr lang="de-CH" dirty="0"/>
           </a:p>
         </p:txBody>
       </p:sp>
@@ -3798,7 +3911,7 @@
           <p:cNvPr id="2" name="Titel 1">
             <a:extLst>
               <a:ext uri="{FF2B5EF4-FFF2-40B4-BE49-F238E27FC236}">
-                <a16:creationId xmlns:a16="http://schemas.microsoft.com/office/drawing/2014/main" id="{8DDE0D17-78B3-493F-8E9D-E6C1CD01E817}"/>
+                <a16:creationId xmlns:a16="http://schemas.microsoft.com/office/drawing/2014/main" id="{EDB17F4F-F592-48E2-BC96-403D8E49DA7A}"/>
               </a:ext>
             </a:extLst>
           </p:cNvPr>
@@ -3816,7 +3929,7 @@
           <a:p>
             <a:r>
               <a:rPr lang="de-CH" dirty="0"/>
-              <a:t>Aufgabe 1</a:t>
+              <a:t>Demo</a:t>
             </a:r>
           </a:p>
         </p:txBody>
@@ -3826,7 +3939,7 @@
           <p:cNvPr id="3" name="Inhaltsplatzhalter 2">
             <a:extLst>
               <a:ext uri="{FF2B5EF4-FFF2-40B4-BE49-F238E27FC236}">
-                <a16:creationId xmlns:a16="http://schemas.microsoft.com/office/drawing/2014/main" id="{D1280293-D4E5-4992-A0FD-C6CA01001A2C}"/>
+                <a16:creationId xmlns:a16="http://schemas.microsoft.com/office/drawing/2014/main" id="{83F29A3D-A091-47FC-91E8-4007AE6F8C57}"/>
               </a:ext>
             </a:extLst>
           </p:cNvPr>
@@ -3837,214 +3950,22 @@
             <p:ph idx="1"/>
           </p:nvPr>
         </p:nvSpPr>
-        <p:spPr>
-          <a:xfrm>
-            <a:off x="1024128" y="2286000"/>
-            <a:ext cx="11017618" cy="4023360"/>
-          </a:xfrm>
-        </p:spPr>
-        <p:txBody>
-          <a:bodyPr/>
-          <a:lstStyle/>
-          <a:p>
-            <a:pPr marL="0" indent="0">
-              <a:buNone/>
-            </a:pPr>
+        <p:spPr/>
+        <p:txBody>
+          <a:bodyPr/>
+          <a:lstStyle/>
+          <a:p>
             <a:r>
               <a:rPr lang="de-CH" dirty="0"/>
-              <a:t>Anzahl Zeilen ausgeben:</a:t>
-            </a:r>
-          </a:p>
-          <a:p>
-            <a:pPr marL="0" indent="0">
-              <a:buNone/>
-            </a:pPr>
-            <a:r>
-              <a:rPr lang="de-CH" dirty="0">
-                <a:solidFill>
-                  <a:srgbClr val="DCDCAA"/>
-                </a:solidFill>
-                <a:latin typeface="Consolas" panose="020B0609020204030204" pitchFamily="49" charset="0"/>
-              </a:rPr>
-              <a:t>echo</a:t>
-            </a:r>
-            <a:r>
-              <a:rPr lang="de-CH" dirty="0">
-                <a:solidFill>
-                  <a:srgbClr val="D4D4D4"/>
-                </a:solidFill>
-                <a:latin typeface="Consolas" panose="020B0609020204030204" pitchFamily="49" charset="0"/>
-              </a:rPr>
-              <a:t> </a:t>
-            </a:r>
-            <a:r>
-              <a:rPr lang="de-CH" dirty="0">
-                <a:solidFill>
-                  <a:srgbClr val="CE9178"/>
-                </a:solidFill>
-                <a:latin typeface="Consolas" panose="020B0609020204030204" pitchFamily="49" charset="0"/>
-              </a:rPr>
-              <a:t>"Anzahl Zeilen: $(</a:t>
-            </a:r>
-            <a:r>
-              <a:rPr lang="de-CH" dirty="0" err="1">
-                <a:solidFill>
-                  <a:srgbClr val="CE9178"/>
-                </a:solidFill>
-                <a:latin typeface="Consolas" panose="020B0609020204030204" pitchFamily="49" charset="0"/>
-              </a:rPr>
-              <a:t>wc</a:t>
-            </a:r>
-            <a:r>
-              <a:rPr lang="de-CH" dirty="0">
-                <a:solidFill>
-                  <a:srgbClr val="CE9178"/>
-                </a:solidFill>
-                <a:latin typeface="Consolas" panose="020B0609020204030204" pitchFamily="49" charset="0"/>
-              </a:rPr>
-              <a:t> -l </a:t>
-            </a:r>
-            <a:r>
-              <a:rPr lang="de-CH" dirty="0">
-                <a:solidFill>
-                  <a:srgbClr val="D4D4D4"/>
-                </a:solidFill>
-                <a:latin typeface="Consolas" panose="020B0609020204030204" pitchFamily="49" charset="0"/>
-              </a:rPr>
-              <a:t>&lt;</a:t>
-            </a:r>
-            <a:r>
-              <a:rPr lang="de-CH" dirty="0">
-                <a:solidFill>
-                  <a:srgbClr val="CE9178"/>
-                </a:solidFill>
-                <a:latin typeface="Consolas" panose="020B0609020204030204" pitchFamily="49" charset="0"/>
-              </a:rPr>
-              <a:t> crime.csv)"</a:t>
-            </a:r>
-            <a:endParaRPr lang="de-CH" dirty="0">
-              <a:solidFill>
-                <a:srgbClr val="D4D4D4"/>
-              </a:solidFill>
-              <a:latin typeface="Consolas" panose="020B0609020204030204" pitchFamily="49" charset="0"/>
-            </a:endParaRPr>
-          </a:p>
-          <a:p>
-            <a:pPr marL="0" indent="0">
-              <a:buNone/>
-            </a:pPr>
-            <a:endParaRPr lang="de-CH" dirty="0"/>
-          </a:p>
-          <a:p>
-            <a:pPr marL="0" indent="0">
-              <a:buNone/>
-            </a:pPr>
-            <a:r>
-              <a:rPr lang="de-CH" dirty="0"/>
-              <a:t>Alle Spaltenbezeichnungen ausgeben:</a:t>
-            </a:r>
-          </a:p>
-          <a:p>
-            <a:pPr marL="0" indent="0">
-              <a:buNone/>
-            </a:pPr>
-            <a:r>
-              <a:rPr lang="de-CH" dirty="0">
-                <a:solidFill>
-                  <a:srgbClr val="DCDCAA"/>
-                </a:solidFill>
-                <a:latin typeface="Consolas" panose="020B0609020204030204" pitchFamily="49" charset="0"/>
-              </a:rPr>
-              <a:t>echo</a:t>
-            </a:r>
-            <a:r>
-              <a:rPr lang="de-CH" dirty="0">
-                <a:solidFill>
-                  <a:srgbClr val="D4D4D4"/>
-                </a:solidFill>
-                <a:latin typeface="Consolas" panose="020B0609020204030204" pitchFamily="49" charset="0"/>
-              </a:rPr>
-              <a:t> </a:t>
-            </a:r>
-            <a:r>
-              <a:rPr lang="de-CH" dirty="0">
-                <a:solidFill>
-                  <a:srgbClr val="CE9178"/>
-                </a:solidFill>
-                <a:latin typeface="Consolas" panose="020B0609020204030204" pitchFamily="49" charset="0"/>
-              </a:rPr>
-              <a:t>"Spaltenbezeichnungen: $(</a:t>
-            </a:r>
-            <a:r>
-              <a:rPr lang="de-CH" dirty="0" err="1">
-                <a:solidFill>
-                  <a:srgbClr val="CE9178"/>
-                </a:solidFill>
-                <a:latin typeface="Consolas" panose="020B0609020204030204" pitchFamily="49" charset="0"/>
-              </a:rPr>
-              <a:t>awk</a:t>
-            </a:r>
-            <a:r>
-              <a:rPr lang="de-CH" dirty="0">
-                <a:solidFill>
-                  <a:srgbClr val="CE9178"/>
-                </a:solidFill>
-                <a:latin typeface="Consolas" panose="020B0609020204030204" pitchFamily="49" charset="0"/>
-              </a:rPr>
-              <a:t> 'NR==1{</a:t>
-            </a:r>
-            <a:r>
-              <a:rPr lang="de-CH" dirty="0" err="1">
-                <a:solidFill>
-                  <a:srgbClr val="CE9178"/>
-                </a:solidFill>
-                <a:latin typeface="Consolas" panose="020B0609020204030204" pitchFamily="49" charset="0"/>
-              </a:rPr>
-              <a:t>print</a:t>
-            </a:r>
-            <a:r>
-              <a:rPr lang="de-CH" dirty="0">
-                <a:solidFill>
-                  <a:srgbClr val="CE9178"/>
-                </a:solidFill>
-                <a:latin typeface="Consolas" panose="020B0609020204030204" pitchFamily="49" charset="0"/>
-              </a:rPr>
-              <a:t>; </a:t>
-            </a:r>
-            <a:r>
-              <a:rPr lang="de-CH" dirty="0" err="1">
-                <a:solidFill>
-                  <a:srgbClr val="CE9178"/>
-                </a:solidFill>
-                <a:latin typeface="Consolas" panose="020B0609020204030204" pitchFamily="49" charset="0"/>
-              </a:rPr>
-              <a:t>exit</a:t>
-            </a:r>
-            <a:r>
-              <a:rPr lang="de-CH" dirty="0">
-                <a:solidFill>
-                  <a:srgbClr val="CE9178"/>
-                </a:solidFill>
-                <a:latin typeface="Consolas" panose="020B0609020204030204" pitchFamily="49" charset="0"/>
-              </a:rPr>
-              <a:t>}' crime.csv)"</a:t>
-            </a:r>
-            <a:endParaRPr lang="de-CH" dirty="0">
-              <a:solidFill>
-                <a:srgbClr val="D4D4D4"/>
-              </a:solidFill>
-              <a:latin typeface="Consolas" panose="020B0609020204030204" pitchFamily="49" charset="0"/>
-            </a:endParaRPr>
-          </a:p>
-          <a:p>
-            <a:endParaRPr lang="de-CH" dirty="0"/>
+              <a:t>Wir haben einen Menu Skript erstellt, welches wir ganz einfach bestimmte Aufgaben direkt darstellen lassen können</a:t>
+            </a:r>
           </a:p>
         </p:txBody>
       </p:sp>
     </p:spTree>
     <p:extLst>
       <p:ext uri="{BB962C8B-B14F-4D97-AF65-F5344CB8AC3E}">
-        <p14:creationId xmlns:p14="http://schemas.microsoft.com/office/powerpoint/2010/main" val="424776008"/>
+        <p14:creationId xmlns:p14="http://schemas.microsoft.com/office/powerpoint/2010/main" val="3827485873"/>
       </p:ext>
     </p:extLst>
   </p:cSld>
@@ -4094,7 +4015,7 @@
           <a:p>
             <a:r>
               <a:rPr lang="de-CH" dirty="0"/>
-              <a:t>Aufgabe 2</a:t>
+              <a:t>Aufgabe 1</a:t>
             </a:r>
           </a:p>
         </p:txBody>
@@ -4115,7 +4036,12 @@
             <p:ph idx="1"/>
           </p:nvPr>
         </p:nvSpPr>
-        <p:spPr/>
+        <p:spPr>
+          <a:xfrm>
+            <a:off x="1024128" y="2286000"/>
+            <a:ext cx="11017618" cy="4023360"/>
+          </a:xfrm>
+        </p:spPr>
         <p:txBody>
           <a:bodyPr/>
           <a:lstStyle/>
@@ -4125,27 +4051,155 @@
             </a:pPr>
             <a:r>
               <a:rPr lang="de-CH" dirty="0"/>
-              <a:t>Ausgabe alle Verbrechen und die jeweiligen Häufigkeit:</a:t>
-            </a:r>
-          </a:p>
-          <a:p>
+              <a:t>Anzahl Zeilen ausgeben:</a:t>
+            </a:r>
+          </a:p>
+          <a:p>
+            <a:pPr marL="0" indent="0">
+              <a:buNone/>
+            </a:pPr>
+            <a:r>
+              <a:rPr lang="de-CH" dirty="0">
+                <a:solidFill>
+                  <a:srgbClr val="DCDCAA"/>
+                </a:solidFill>
+                <a:latin typeface="Consolas" panose="020B0609020204030204" pitchFamily="49" charset="0"/>
+              </a:rPr>
+              <a:t>echo</a:t>
+            </a:r>
+            <a:r>
+              <a:rPr lang="de-CH" dirty="0">
+                <a:solidFill>
+                  <a:srgbClr val="D4D4D4"/>
+                </a:solidFill>
+                <a:latin typeface="Consolas" panose="020B0609020204030204" pitchFamily="49" charset="0"/>
+              </a:rPr>
+              <a:t> </a:t>
+            </a:r>
+            <a:r>
+              <a:rPr lang="de-CH" dirty="0">
+                <a:solidFill>
+                  <a:srgbClr val="CE9178"/>
+                </a:solidFill>
+                <a:latin typeface="Consolas" panose="020B0609020204030204" pitchFamily="49" charset="0"/>
+              </a:rPr>
+              <a:t>"Anzahl Zeilen: $(</a:t>
+            </a:r>
             <a:r>
               <a:rPr lang="de-CH" dirty="0" err="1">
                 <a:solidFill>
+                  <a:srgbClr val="CE9178"/>
+                </a:solidFill>
+                <a:latin typeface="Consolas" panose="020B0609020204030204" pitchFamily="49" charset="0"/>
+              </a:rPr>
+              <a:t>wc</a:t>
+            </a:r>
+            <a:r>
+              <a:rPr lang="de-CH" dirty="0">
+                <a:solidFill>
+                  <a:srgbClr val="CE9178"/>
+                </a:solidFill>
+                <a:latin typeface="Consolas" panose="020B0609020204030204" pitchFamily="49" charset="0"/>
+              </a:rPr>
+              <a:t> -l </a:t>
+            </a:r>
+            <a:r>
+              <a:rPr lang="de-CH" dirty="0">
+                <a:solidFill>
                   <a:srgbClr val="D4D4D4"/>
                 </a:solidFill>
                 <a:latin typeface="Consolas" panose="020B0609020204030204" pitchFamily="49" charset="0"/>
               </a:rPr>
+              <a:t>&lt;</a:t>
+            </a:r>
+            <a:r>
+              <a:rPr lang="de-CH" dirty="0">
+                <a:solidFill>
+                  <a:srgbClr val="CE9178"/>
+                </a:solidFill>
+                <a:latin typeface="Consolas" panose="020B0609020204030204" pitchFamily="49" charset="0"/>
+              </a:rPr>
+              <a:t> crime.csv)"</a:t>
+            </a:r>
+            <a:endParaRPr lang="de-CH" dirty="0">
+              <a:solidFill>
+                <a:srgbClr val="D4D4D4"/>
+              </a:solidFill>
+              <a:latin typeface="Consolas" panose="020B0609020204030204" pitchFamily="49" charset="0"/>
+            </a:endParaRPr>
+          </a:p>
+          <a:p>
+            <a:pPr marL="0" indent="0">
+              <a:buNone/>
+            </a:pPr>
+            <a:endParaRPr lang="de-CH" dirty="0"/>
+          </a:p>
+          <a:p>
+            <a:pPr marL="0" indent="0">
+              <a:buNone/>
+            </a:pPr>
+            <a:r>
+              <a:rPr lang="de-CH" dirty="0"/>
+              <a:t>Alle Spaltenbezeichnungen ausgeben:</a:t>
+            </a:r>
+          </a:p>
+          <a:p>
+            <a:pPr marL="0" indent="0">
+              <a:buNone/>
+            </a:pPr>
+            <a:r>
+              <a:rPr lang="de-CH" dirty="0">
+                <a:solidFill>
+                  <a:srgbClr val="DCDCAA"/>
+                </a:solidFill>
+                <a:latin typeface="Consolas" panose="020B0609020204030204" pitchFamily="49" charset="0"/>
+              </a:rPr>
+              <a:t>echo</a:t>
+            </a:r>
+            <a:r>
+              <a:rPr lang="de-CH" dirty="0">
+                <a:solidFill>
+                  <a:srgbClr val="D4D4D4"/>
+                </a:solidFill>
+                <a:latin typeface="Consolas" panose="020B0609020204030204" pitchFamily="49" charset="0"/>
+              </a:rPr>
+              <a:t> </a:t>
+            </a:r>
+            <a:r>
+              <a:rPr lang="de-CH" dirty="0">
+                <a:solidFill>
+                  <a:srgbClr val="CE9178"/>
+                </a:solidFill>
+                <a:latin typeface="Consolas" panose="020B0609020204030204" pitchFamily="49" charset="0"/>
+              </a:rPr>
+              <a:t>"Spaltenbezeichnungen: $(</a:t>
+            </a:r>
+            <a:r>
+              <a:rPr lang="de-CH" dirty="0" err="1">
+                <a:solidFill>
+                  <a:srgbClr val="CE9178"/>
+                </a:solidFill>
+                <a:latin typeface="Consolas" panose="020B0609020204030204" pitchFamily="49" charset="0"/>
+              </a:rPr>
               <a:t>awk</a:t>
             </a:r>
             <a:r>
               <a:rPr lang="de-CH" dirty="0">
                 <a:solidFill>
-                  <a:srgbClr val="D4D4D4"/>
-                </a:solidFill>
-                <a:latin typeface="Consolas" panose="020B0609020204030204" pitchFamily="49" charset="0"/>
-              </a:rPr>
-              <a:t> -F, </a:t>
+                  <a:srgbClr val="CE9178"/>
+                </a:solidFill>
+                <a:latin typeface="Consolas" panose="020B0609020204030204" pitchFamily="49" charset="0"/>
+              </a:rPr>
+              <a:t> 'NR==1{</a:t>
+            </a:r>
+            <a:r>
+              <a:rPr lang="de-CH" dirty="0" err="1">
+                <a:solidFill>
+                  <a:srgbClr val="CE9178"/>
+                </a:solidFill>
+                <a:latin typeface="Consolas" panose="020B0609020204030204" pitchFamily="49" charset="0"/>
+              </a:rPr>
+              <a:t>print</a:t>
             </a:r>
             <a:r>
               <a:rPr lang="de-CH" dirty="0">
@@ -4154,7 +4208,7 @@
                 </a:solidFill>
                 <a:latin typeface="Consolas" panose="020B0609020204030204" pitchFamily="49" charset="0"/>
               </a:rPr>
-              <a:t>'{</a:t>
+              <a:t>; </a:t>
             </a:r>
             <a:r>
               <a:rPr lang="de-CH" dirty="0" err="1">
@@ -4163,7 +4217,7 @@
                 </a:solidFill>
                 <a:latin typeface="Consolas" panose="020B0609020204030204" pitchFamily="49" charset="0"/>
               </a:rPr>
-              <a:t>print</a:t>
+              <a:t>exit</a:t>
             </a:r>
             <a:r>
               <a:rPr lang="de-CH" dirty="0">
@@ -4172,22 +4226,16 @@
                 </a:solidFill>
                 <a:latin typeface="Consolas" panose="020B0609020204030204" pitchFamily="49" charset="0"/>
               </a:rPr>
-              <a:t> $1, $NF;}'</a:t>
-            </a:r>
-            <a:r>
-              <a:rPr lang="de-CH" dirty="0">
-                <a:solidFill>
-                  <a:srgbClr val="D4D4D4"/>
-                </a:solidFill>
-                <a:latin typeface="Consolas" panose="020B0609020204030204" pitchFamily="49" charset="0"/>
-              </a:rPr>
-              <a:t> crime.csv</a:t>
-            </a:r>
-          </a:p>
-          <a:p>
-            <a:pPr marL="0" indent="0">
-              <a:buNone/>
-            </a:pPr>
+              <a:t>}' crime.csv)"</a:t>
+            </a:r>
+            <a:endParaRPr lang="de-CH" dirty="0">
+              <a:solidFill>
+                <a:srgbClr val="D4D4D4"/>
+              </a:solidFill>
+              <a:latin typeface="Consolas" panose="020B0609020204030204" pitchFamily="49" charset="0"/>
+            </a:endParaRPr>
+          </a:p>
+          <a:p>
             <a:endParaRPr lang="de-CH" dirty="0"/>
           </a:p>
         </p:txBody>
@@ -4195,7 +4243,7 @@
     </p:spTree>
     <p:extLst>
       <p:ext uri="{BB962C8B-B14F-4D97-AF65-F5344CB8AC3E}">
-        <p14:creationId xmlns:p14="http://schemas.microsoft.com/office/powerpoint/2010/main" val="3625470504"/>
+        <p14:creationId xmlns:p14="http://schemas.microsoft.com/office/powerpoint/2010/main" val="424776008"/>
       </p:ext>
     </p:extLst>
   </p:cSld>
@@ -4245,6 +4293,157 @@
           <a:p>
             <a:r>
               <a:rPr lang="de-CH" dirty="0"/>
+              <a:t>Aufgabe 2</a:t>
+            </a:r>
+          </a:p>
+        </p:txBody>
+      </p:sp>
+      <p:sp>
+        <p:nvSpPr>
+          <p:cNvPr id="3" name="Inhaltsplatzhalter 2">
+            <a:extLst>
+              <a:ext uri="{FF2B5EF4-FFF2-40B4-BE49-F238E27FC236}">
+                <a16:creationId xmlns:a16="http://schemas.microsoft.com/office/drawing/2014/main" id="{D1280293-D4E5-4992-A0FD-C6CA01001A2C}"/>
+              </a:ext>
+            </a:extLst>
+          </p:cNvPr>
+          <p:cNvSpPr>
+            <a:spLocks noGrp="1"/>
+          </p:cNvSpPr>
+          <p:nvPr>
+            <p:ph idx="1"/>
+          </p:nvPr>
+        </p:nvSpPr>
+        <p:spPr/>
+        <p:txBody>
+          <a:bodyPr/>
+          <a:lstStyle/>
+          <a:p>
+            <a:pPr marL="0" indent="0">
+              <a:buNone/>
+            </a:pPr>
+            <a:r>
+              <a:rPr lang="de-CH" dirty="0"/>
+              <a:t>Ausgabe alle Verbrechen und die jeweiligen Häufigkeit:</a:t>
+            </a:r>
+          </a:p>
+          <a:p>
+            <a:r>
+              <a:rPr lang="de-CH" dirty="0" err="1">
+                <a:solidFill>
+                  <a:srgbClr val="D4D4D4"/>
+                </a:solidFill>
+                <a:latin typeface="Consolas" panose="020B0609020204030204" pitchFamily="49" charset="0"/>
+              </a:rPr>
+              <a:t>awk</a:t>
+            </a:r>
+            <a:r>
+              <a:rPr lang="de-CH" dirty="0">
+                <a:solidFill>
+                  <a:srgbClr val="D4D4D4"/>
+                </a:solidFill>
+                <a:latin typeface="Consolas" panose="020B0609020204030204" pitchFamily="49" charset="0"/>
+              </a:rPr>
+              <a:t> -F, </a:t>
+            </a:r>
+            <a:r>
+              <a:rPr lang="de-CH" dirty="0">
+                <a:solidFill>
+                  <a:srgbClr val="CE9178"/>
+                </a:solidFill>
+                <a:latin typeface="Consolas" panose="020B0609020204030204" pitchFamily="49" charset="0"/>
+              </a:rPr>
+              <a:t>'{</a:t>
+            </a:r>
+            <a:r>
+              <a:rPr lang="de-CH" dirty="0" err="1">
+                <a:solidFill>
+                  <a:srgbClr val="CE9178"/>
+                </a:solidFill>
+                <a:latin typeface="Consolas" panose="020B0609020204030204" pitchFamily="49" charset="0"/>
+              </a:rPr>
+              <a:t>print</a:t>
+            </a:r>
+            <a:r>
+              <a:rPr lang="de-CH" dirty="0">
+                <a:solidFill>
+                  <a:srgbClr val="CE9178"/>
+                </a:solidFill>
+                <a:latin typeface="Consolas" panose="020B0609020204030204" pitchFamily="49" charset="0"/>
+              </a:rPr>
+              <a:t> $1, $NF;}'</a:t>
+            </a:r>
+            <a:r>
+              <a:rPr lang="de-CH" dirty="0">
+                <a:solidFill>
+                  <a:srgbClr val="D4D4D4"/>
+                </a:solidFill>
+                <a:latin typeface="Consolas" panose="020B0609020204030204" pitchFamily="49" charset="0"/>
+              </a:rPr>
+              <a:t> crime.csv</a:t>
+            </a:r>
+          </a:p>
+          <a:p>
+            <a:pPr marL="0" indent="0">
+              <a:buNone/>
+            </a:pPr>
+            <a:endParaRPr lang="de-CH" dirty="0"/>
+          </a:p>
+        </p:txBody>
+      </p:sp>
+    </p:spTree>
+    <p:extLst>
+      <p:ext uri="{BB962C8B-B14F-4D97-AF65-F5344CB8AC3E}">
+        <p14:creationId xmlns:p14="http://schemas.microsoft.com/office/powerpoint/2010/main" val="3625470504"/>
+      </p:ext>
+    </p:extLst>
+  </p:cSld>
+  <p:clrMapOvr>
+    <a:masterClrMapping/>
+  </p:clrMapOvr>
+</p:sld>
+</file>
+
+<file path=ppt/slides/slide7.xml><?xml version="1.0" encoding="utf-8"?>
+<p:sld xmlns:a="http://schemas.openxmlformats.org/drawingml/2006/main" xmlns:r="http://schemas.openxmlformats.org/officeDocument/2006/relationships" xmlns:p="http://schemas.openxmlformats.org/presentationml/2006/main">
+  <p:cSld>
+    <p:spTree>
+      <p:nvGrpSpPr>
+        <p:cNvPr id="1" name=""/>
+        <p:cNvGrpSpPr/>
+        <p:nvPr/>
+      </p:nvGrpSpPr>
+      <p:grpSpPr>
+        <a:xfrm>
+          <a:off x="0" y="0"/>
+          <a:ext cx="0" cy="0"/>
+          <a:chOff x="0" y="0"/>
+          <a:chExt cx="0" cy="0"/>
+        </a:xfrm>
+      </p:grpSpPr>
+      <p:sp>
+        <p:nvSpPr>
+          <p:cNvPr id="2" name="Titel 1">
+            <a:extLst>
+              <a:ext uri="{FF2B5EF4-FFF2-40B4-BE49-F238E27FC236}">
+                <a16:creationId xmlns:a16="http://schemas.microsoft.com/office/drawing/2014/main" id="{8DDE0D17-78B3-493F-8E9D-E6C1CD01E817}"/>
+              </a:ext>
+            </a:extLst>
+          </p:cNvPr>
+          <p:cNvSpPr>
+            <a:spLocks noGrp="1"/>
+          </p:cNvSpPr>
+          <p:nvPr>
+            <p:ph type="title"/>
+          </p:nvPr>
+        </p:nvSpPr>
+        <p:spPr/>
+        <p:txBody>
+          <a:bodyPr/>
+          <a:lstStyle/>
+          <a:p>
+            <a:r>
+              <a:rPr lang="de-CH" dirty="0"/>
               <a:t>Aufgabe 3</a:t>
             </a:r>
           </a:p>
@@ -4738,7 +4937,7 @@
 </p:sld>
 </file>
 
-<file path=ppt/slides/slide7.xml><?xml version="1.0" encoding="utf-8"?>
+<file path=ppt/slides/slide8.xml><?xml version="1.0" encoding="utf-8"?>
 <p:sld xmlns:a="http://schemas.openxmlformats.org/drawingml/2006/main" xmlns:r="http://schemas.openxmlformats.org/officeDocument/2006/relationships" xmlns:p="http://schemas.openxmlformats.org/presentationml/2006/main">
   <p:cSld>
     <p:spTree>
@@ -4893,145 +5092,6 @@
 </p:sld>
 </file>
 
-<file path=ppt/slides/slide8.xml><?xml version="1.0" encoding="utf-8"?>
-<p:sld xmlns:a="http://schemas.openxmlformats.org/drawingml/2006/main" xmlns:r="http://schemas.openxmlformats.org/officeDocument/2006/relationships" xmlns:p="http://schemas.openxmlformats.org/presentationml/2006/main">
-  <p:cSld>
-    <p:spTree>
-      <p:nvGrpSpPr>
-        <p:cNvPr id="1" name=""/>
-        <p:cNvGrpSpPr/>
-        <p:nvPr/>
-      </p:nvGrpSpPr>
-      <p:grpSpPr>
-        <a:xfrm>
-          <a:off x="0" y="0"/>
-          <a:ext cx="0" cy="0"/>
-          <a:chOff x="0" y="0"/>
-          <a:chExt cx="0" cy="0"/>
-        </a:xfrm>
-      </p:grpSpPr>
-      <p:sp>
-        <p:nvSpPr>
-          <p:cNvPr id="2" name="Titel 1">
-            <a:extLst>
-              <a:ext uri="{FF2B5EF4-FFF2-40B4-BE49-F238E27FC236}">
-                <a16:creationId xmlns:a16="http://schemas.microsoft.com/office/drawing/2014/main" id="{EDB17F4F-F592-48E2-BC96-403D8E49DA7A}"/>
-              </a:ext>
-            </a:extLst>
-          </p:cNvPr>
-          <p:cNvSpPr>
-            <a:spLocks noGrp="1"/>
-          </p:cNvSpPr>
-          <p:nvPr>
-            <p:ph type="title"/>
-          </p:nvPr>
-        </p:nvSpPr>
-        <p:spPr/>
-        <p:txBody>
-          <a:bodyPr/>
-          <a:lstStyle/>
-          <a:p>
-            <a:r>
-              <a:rPr lang="de-CH" dirty="0"/>
-              <a:t>Demo</a:t>
-            </a:r>
-          </a:p>
-        </p:txBody>
-      </p:sp>
-      <p:sp>
-        <p:nvSpPr>
-          <p:cNvPr id="3" name="Inhaltsplatzhalter 2">
-            <a:extLst>
-              <a:ext uri="{FF2B5EF4-FFF2-40B4-BE49-F238E27FC236}">
-                <a16:creationId xmlns:a16="http://schemas.microsoft.com/office/drawing/2014/main" id="{83F29A3D-A091-47FC-91E8-4007AE6F8C57}"/>
-              </a:ext>
-            </a:extLst>
-          </p:cNvPr>
-          <p:cNvSpPr>
-            <a:spLocks noGrp="1"/>
-          </p:cNvSpPr>
-          <p:nvPr>
-            <p:ph idx="1"/>
-          </p:nvPr>
-        </p:nvSpPr>
-        <p:spPr/>
-        <p:txBody>
-          <a:bodyPr/>
-          <a:lstStyle/>
-          <a:p>
-            <a:r>
-              <a:rPr lang="de-CH" dirty="0"/>
-              <a:t>Wir haben einen Menu Skript erstellt, welches wir ganz einfach bestimmte Aufgaben direkt darstellen lassen können.</a:t>
-            </a:r>
-          </a:p>
-          <a:p>
-            <a:endParaRPr lang="de-CH" dirty="0"/>
-          </a:p>
-          <a:p>
-            <a:r>
-              <a:rPr lang="de-CH" dirty="0" err="1"/>
-              <a:t>Have</a:t>
-            </a:r>
-            <a:r>
-              <a:rPr lang="de-CH" dirty="0"/>
-              <a:t> Fun </a:t>
-            </a:r>
-            <a:r>
-              <a:rPr lang="de-CH" dirty="0">
-                <a:sym typeface="Wingdings" panose="05000000000000000000" pitchFamily="2" charset="2"/>
-              </a:rPr>
-              <a:t></a:t>
-            </a:r>
-          </a:p>
-          <a:p>
-            <a:endParaRPr lang="de-CH" dirty="0">
-              <a:sym typeface="Wingdings" panose="05000000000000000000" pitchFamily="2" charset="2"/>
-            </a:endParaRPr>
-          </a:p>
-          <a:p>
-            <a:endParaRPr lang="de-CH" dirty="0">
-              <a:sym typeface="Wingdings" panose="05000000000000000000" pitchFamily="2" charset="2"/>
-            </a:endParaRPr>
-          </a:p>
-          <a:p>
-            <a:r>
-              <a:rPr lang="de-CH" dirty="0" err="1">
-                <a:sym typeface="Wingdings" panose="05000000000000000000" pitchFamily="2" charset="2"/>
-              </a:rPr>
-              <a:t>Github</a:t>
-            </a:r>
-            <a:r>
-              <a:rPr lang="de-CH">
-                <a:sym typeface="Wingdings" panose="05000000000000000000" pitchFamily="2" charset="2"/>
-              </a:rPr>
-              <a:t>: </a:t>
-            </a:r>
-            <a:r>
-              <a:rPr lang="de-CH">
-                <a:sym typeface="Wingdings" panose="05000000000000000000" pitchFamily="2" charset="2"/>
-                <a:hlinkClick r:id="rId2"/>
-              </a:rPr>
-              <a:t>https://github.com/xXx-DoMoDo-xXx/bashscripting_crime</a:t>
-            </a:r>
-            <a:endParaRPr lang="de-CH">
-              <a:sym typeface="Wingdings" panose="05000000000000000000" pitchFamily="2" charset="2"/>
-            </a:endParaRPr>
-          </a:p>
-        </p:txBody>
-      </p:sp>
-    </p:spTree>
-    <p:extLst>
-      <p:ext uri="{BB962C8B-B14F-4D97-AF65-F5344CB8AC3E}">
-        <p14:creationId xmlns:p14="http://schemas.microsoft.com/office/powerpoint/2010/main" val="3827485873"/>
-      </p:ext>
-    </p:extLst>
-  </p:cSld>
-  <p:clrMapOvr>
-    <a:masterClrMapping/>
-  </p:clrMapOvr>
-</p:sld>
-</file>
-
 <file path=ppt/slides/slide9.xml><?xml version="1.0" encoding="utf-8"?>
 <p:sld xmlns:a="http://schemas.openxmlformats.org/drawingml/2006/main" xmlns:r="http://schemas.openxmlformats.org/officeDocument/2006/relationships" xmlns:p="http://schemas.openxmlformats.org/presentationml/2006/main">
   <p:cSld>
@@ -5208,6 +5268,57 @@
               <a:rPr lang="de-CH" dirty="0"/>
               <a:t> etwas zu kompliziert</a:t>
             </a:r>
+          </a:p>
+          <a:p>
+            <a:pPr lvl="1">
+              <a:buFont typeface="Wingdings" panose="05000000000000000000" pitchFamily="2" charset="2"/>
+              <a:buChar char="Ø"/>
+            </a:pPr>
+            <a:endParaRPr lang="de-CH" dirty="0"/>
+          </a:p>
+          <a:p>
+            <a:pPr lvl="1">
+              <a:buFont typeface="Wingdings" panose="05000000000000000000" pitchFamily="2" charset="2"/>
+              <a:buChar char="Ø"/>
+            </a:pPr>
+            <a:endParaRPr lang="de-CH" dirty="0"/>
+          </a:p>
+          <a:p>
+            <a:pPr lvl="1">
+              <a:buFont typeface="Wingdings" panose="05000000000000000000" pitchFamily="2" charset="2"/>
+              <a:buChar char="Ø"/>
+            </a:pPr>
+            <a:endParaRPr lang="de-CH" dirty="0"/>
+          </a:p>
+          <a:p>
+            <a:pPr lvl="1">
+              <a:buFont typeface="Wingdings" panose="05000000000000000000" pitchFamily="2" charset="2"/>
+              <a:buChar char="Ø"/>
+            </a:pPr>
+            <a:r>
+              <a:rPr lang="de-CH" dirty="0"/>
+              <a:t>P.S. </a:t>
+            </a:r>
+            <a:r>
+              <a:rPr lang="de-CH" dirty="0" err="1">
+                <a:sym typeface="Wingdings" panose="05000000000000000000" pitchFamily="2" charset="2"/>
+              </a:rPr>
+              <a:t>Github</a:t>
+            </a:r>
+            <a:r>
+              <a:rPr lang="de-CH" dirty="0">
+                <a:sym typeface="Wingdings" panose="05000000000000000000" pitchFamily="2" charset="2"/>
+              </a:rPr>
+              <a:t>: </a:t>
+            </a:r>
+            <a:r>
+              <a:rPr lang="de-CH" dirty="0">
+                <a:sym typeface="Wingdings" panose="05000000000000000000" pitchFamily="2" charset="2"/>
+                <a:hlinkClick r:id="rId2"/>
+              </a:rPr>
+              <a:t>https://github.com/xXx-DoMoDo-xXx/bashscripting_crime</a:t>
+            </a:r>
+            <a:endParaRPr lang="de-CH" dirty="0"/>
           </a:p>
           <a:p>
             <a:pPr lvl="1">

--- a/Bash-scripting-crime-statistic.pptx
+++ b/Bash-scripting-crime-statistic.pptx
@@ -5196,34 +5196,42 @@
             </a:r>
             <a:r>
               <a:rPr lang="de-CH" dirty="0"/>
-              <a:t> </a:t>
+              <a:t> of </a:t>
             </a:r>
             <a:r>
               <a:rPr lang="de-CH" dirty="0" err="1"/>
-              <a:t>of</a:t>
+              <a:t>cat</a:t>
             </a:r>
             <a:r>
               <a:rPr lang="de-CH" dirty="0"/>
               <a:t> </a:t>
             </a:r>
             <a:r>
-              <a:rPr lang="de-CH" dirty="0" err="1"/>
-              <a:t>cat</a:t>
+              <a:rPr lang="de-CH" dirty="0">
+                <a:latin typeface="Consolas" panose="020B0609020204030204" pitchFamily="49" charset="0"/>
+              </a:rPr>
+              <a:t>-&gt;</a:t>
             </a:r>
             <a:r>
               <a:rPr lang="de-CH" dirty="0"/>
-              <a:t> -&gt; </a:t>
-            </a:r>
-            <a:r>
-              <a:rPr lang="fr-FR" dirty="0"/>
+              <a:t> </a:t>
+            </a:r>
+            <a:r>
+              <a:rPr lang="fr-FR" dirty="0">
+                <a:latin typeface="Consolas" panose="020B0609020204030204" pitchFamily="49" charset="0"/>
+              </a:rPr>
               <a:t>cat crime.csv | </a:t>
             </a:r>
             <a:r>
-              <a:rPr lang="fr-FR" dirty="0" err="1"/>
+              <a:rPr lang="fr-FR" dirty="0" err="1">
+                <a:latin typeface="Consolas" panose="020B0609020204030204" pitchFamily="49" charset="0"/>
+              </a:rPr>
               <a:t>wc</a:t>
             </a:r>
             <a:r>
-              <a:rPr lang="fr-FR" dirty="0"/>
+              <a:rPr lang="fr-FR" dirty="0">
+                <a:latin typeface="Consolas" panose="020B0609020204030204" pitchFamily="49" charset="0"/>
+              </a:rPr>
               <a:t> –l -&gt; </a:t>
             </a:r>
             <a:r>
@@ -5235,11 +5243,15 @@
               <a:t>: </a:t>
             </a:r>
             <a:r>
-              <a:rPr lang="de-CH" dirty="0" err="1"/>
+              <a:rPr lang="de-CH" dirty="0" err="1">
+                <a:latin typeface="Consolas" panose="020B0609020204030204" pitchFamily="49" charset="0"/>
+              </a:rPr>
               <a:t>wc</a:t>
             </a:r>
             <a:r>
-              <a:rPr lang="de-CH" dirty="0"/>
+              <a:rPr lang="de-CH" dirty="0">
+                <a:latin typeface="Consolas" panose="020B0609020204030204" pitchFamily="49" charset="0"/>
+              </a:rPr>
               <a:t> -l &lt; crime.csv</a:t>
             </a:r>
           </a:p>

--- a/Bash-scripting-crime-statistic.pptx
+++ b/Bash-scripting-crime-statistic.pptx
@@ -3449,6 +3449,14 @@
 <file path=ppt/slides/slide10.xml><?xml version="1.0" encoding="utf-8"?>
 <p:sld xmlns:a="http://schemas.openxmlformats.org/drawingml/2006/main" xmlns:r="http://schemas.openxmlformats.org/officeDocument/2006/relationships" xmlns:p="http://schemas.openxmlformats.org/presentationml/2006/main">
   <p:cSld>
+    <p:bg>
+      <p:bgPr>
+        <a:solidFill>
+          <a:schemeClr val="bg1"/>
+        </a:solidFill>
+        <a:effectLst/>
+      </p:bgPr>
+    </p:bg>
     <p:spTree>
       <p:nvGrpSpPr>
         <p:cNvPr id="1" name=""/>
@@ -3479,15 +3487,23 @@
             <p:ph type="title"/>
           </p:nvPr>
         </p:nvSpPr>
-        <p:spPr/>
-        <p:txBody>
-          <a:bodyPr/>
-          <a:lstStyle/>
-          <a:p>
-            <a:r>
-              <a:rPr lang="de-CH" dirty="0"/>
-              <a:t>Fragenrunde?</a:t>
-            </a:r>
+        <p:spPr>
+          <a:xfrm>
+            <a:off x="1024128" y="585216"/>
+            <a:ext cx="6066818" cy="1499616"/>
+          </a:xfrm>
+        </p:spPr>
+        <p:txBody>
+          <a:bodyPr>
+            <a:normAutofit/>
+          </a:bodyPr>
+          <a:lstStyle/>
+          <a:p>
+            <a:r>
+              <a:rPr lang="de-CH"/>
+              <a:t>Noch Fragen?</a:t>
+            </a:r>
+            <a:endParaRPr lang="de-CH" dirty="0"/>
           </a:p>
         </p:txBody>
       </p:sp>
@@ -3507,15 +3523,51 @@
             <p:ph idx="1"/>
           </p:nvPr>
         </p:nvSpPr>
-        <p:spPr/>
-        <p:txBody>
-          <a:bodyPr/>
+        <p:spPr>
+          <a:xfrm>
+            <a:off x="1024128" y="2286000"/>
+            <a:ext cx="6066818" cy="4023360"/>
+          </a:xfrm>
+        </p:spPr>
+        <p:txBody>
+          <a:bodyPr>
+            <a:normAutofit/>
+          </a:bodyPr>
           <a:lstStyle/>
           <a:p>
             <a:endParaRPr lang="de-CH"/>
           </a:p>
         </p:txBody>
       </p:sp>
+      <p:pic>
+        <p:nvPicPr>
+          <p:cNvPr id="5" name="Picture 4">
+            <a:extLst>
+              <a:ext uri="{FF2B5EF4-FFF2-40B4-BE49-F238E27FC236}">
+                <a16:creationId xmlns:a16="http://schemas.microsoft.com/office/drawing/2014/main" id="{4A82C3B8-918F-4E51-B98A-920A8FC26983}"/>
+              </a:ext>
+            </a:extLst>
+          </p:cNvPr>
+          <p:cNvPicPr>
+            <a:picLocks noChangeAspect="1"/>
+          </p:cNvPicPr>
+          <p:nvPr/>
+        </p:nvPicPr>
+        <p:blipFill rotWithShape="1">
+          <a:blip r:embed="rId2"/>
+          <a:srcRect l="49259"/>
+          <a:stretch/>
+        </p:blipFill>
+        <p:spPr>
+          <a:xfrm>
+            <a:off x="7552266" y="10"/>
+            <a:ext cx="4639733" cy="6857990"/>
+          </a:xfrm>
+          <a:prstGeom prst="rect">
+            <a:avLst/>
+          </a:prstGeom>
+        </p:spPr>
+      </p:pic>
     </p:spTree>
     <p:extLst>
       <p:ext uri="{BB962C8B-B14F-4D97-AF65-F5344CB8AC3E}">
@@ -3532,6 +3584,14 @@
 <file path=ppt/slides/slide11.xml><?xml version="1.0" encoding="utf-8"?>
 <p:sld xmlns:a="http://schemas.openxmlformats.org/drawingml/2006/main" xmlns:r="http://schemas.openxmlformats.org/officeDocument/2006/relationships" xmlns:p="http://schemas.openxmlformats.org/presentationml/2006/main">
   <p:cSld>
+    <p:bg>
+      <p:bgPr>
+        <a:solidFill>
+          <a:schemeClr val="bg1"/>
+        </a:solidFill>
+        <a:effectLst/>
+      </p:bgPr>
+    </p:bg>
     <p:spTree>
       <p:nvGrpSpPr>
         <p:cNvPr id="1" name=""/>
@@ -3562,9 +3622,16 @@
             <p:ph type="title"/>
           </p:nvPr>
         </p:nvSpPr>
-        <p:spPr/>
-        <p:txBody>
-          <a:bodyPr/>
+        <p:spPr>
+          <a:xfrm>
+            <a:off x="1024128" y="585216"/>
+            <a:ext cx="6066818" cy="1499616"/>
+          </a:xfrm>
+        </p:spPr>
+        <p:txBody>
+          <a:bodyPr>
+            <a:normAutofit/>
+          </a:bodyPr>
           <a:lstStyle/>
           <a:p>
             <a:r>
@@ -3590,15 +3657,51 @@
             <p:ph idx="1"/>
           </p:nvPr>
         </p:nvSpPr>
-        <p:spPr/>
-        <p:txBody>
-          <a:bodyPr/>
+        <p:spPr>
+          <a:xfrm>
+            <a:off x="1024128" y="2286000"/>
+            <a:ext cx="6066818" cy="4023360"/>
+          </a:xfrm>
+        </p:spPr>
+        <p:txBody>
+          <a:bodyPr>
+            <a:normAutofit/>
+          </a:bodyPr>
           <a:lstStyle/>
           <a:p>
             <a:endParaRPr lang="de-CH"/>
           </a:p>
         </p:txBody>
       </p:sp>
+      <p:pic>
+        <p:nvPicPr>
+          <p:cNvPr id="5" name="Picture 4">
+            <a:extLst>
+              <a:ext uri="{FF2B5EF4-FFF2-40B4-BE49-F238E27FC236}">
+                <a16:creationId xmlns:a16="http://schemas.microsoft.com/office/drawing/2014/main" id="{00B80AF0-E162-46EF-8294-E910ABBA05FE}"/>
+              </a:ext>
+            </a:extLst>
+          </p:cNvPr>
+          <p:cNvPicPr>
+            <a:picLocks noChangeAspect="1"/>
+          </p:cNvPicPr>
+          <p:nvPr/>
+        </p:nvPicPr>
+        <p:blipFill rotWithShape="1">
+          <a:blip r:embed="rId2"/>
+          <a:srcRect l="31827" r="21322"/>
+          <a:stretch/>
+        </p:blipFill>
+        <p:spPr>
+          <a:xfrm>
+            <a:off x="7552266" y="10"/>
+            <a:ext cx="4639733" cy="6857990"/>
+          </a:xfrm>
+          <a:prstGeom prst="rect">
+            <a:avLst/>
+          </a:prstGeom>
+        </p:spPr>
+      </p:pic>
     </p:spTree>
     <p:extLst>
       <p:ext uri="{BB962C8B-B14F-4D97-AF65-F5344CB8AC3E}">
@@ -3732,16 +3835,6 @@
             <a:r>
               <a:rPr lang="de-CH" dirty="0"/>
               <a:t>Aufgabe 3 Lösung Häufigstes Verbrechen pro Stadt anzeigen</a:t>
-            </a:r>
-          </a:p>
-          <a:p>
-            <a:pPr>
-              <a:buFont typeface="Wingdings" panose="05000000000000000000" pitchFamily="2" charset="2"/>
-              <a:buChar char="Ø"/>
-            </a:pPr>
-            <a:r>
-              <a:rPr lang="de-CH" dirty="0"/>
-              <a:t>Aufgabe 4 Lösung: Beste Stadt in Australien</a:t>
             </a:r>
           </a:p>
           <a:p>
